--- a/Abschlusspräsentation.pptx
+++ b/Abschlusspräsentation.pptx
@@ -5,28 +5,31 @@
     <p:sldMasterId id="2147483677" r:id="rId1"/>
   </p:sldMasterIdLst>
   <p:notesMasterIdLst>
-    <p:notesMasterId r:id="rId16"/>
+    <p:notesMasterId r:id="rId19"/>
   </p:notesMasterIdLst>
   <p:sldIdLst>
     <p:sldId id="256" r:id="rId2"/>
     <p:sldId id="257" r:id="rId3"/>
-    <p:sldId id="258" r:id="rId4"/>
-    <p:sldId id="260" r:id="rId5"/>
-    <p:sldId id="268" r:id="rId6"/>
-    <p:sldId id="269" r:id="rId7"/>
-    <p:sldId id="270" r:id="rId8"/>
-    <p:sldId id="271" r:id="rId9"/>
-    <p:sldId id="261" r:id="rId10"/>
-    <p:sldId id="262" r:id="rId11"/>
-    <p:sldId id="263" r:id="rId12"/>
-    <p:sldId id="264" r:id="rId13"/>
-    <p:sldId id="265" r:id="rId14"/>
-    <p:sldId id="266" r:id="rId15"/>
+    <p:sldId id="272" r:id="rId4"/>
+    <p:sldId id="273" r:id="rId5"/>
+    <p:sldId id="258" r:id="rId6"/>
+    <p:sldId id="260" r:id="rId7"/>
+    <p:sldId id="268" r:id="rId8"/>
+    <p:sldId id="269" r:id="rId9"/>
+    <p:sldId id="270" r:id="rId10"/>
+    <p:sldId id="271" r:id="rId11"/>
+    <p:sldId id="261" r:id="rId12"/>
+    <p:sldId id="262" r:id="rId13"/>
+    <p:sldId id="263" r:id="rId14"/>
+    <p:sldId id="264" r:id="rId15"/>
+    <p:sldId id="265" r:id="rId16"/>
+    <p:sldId id="266" r:id="rId17"/>
+    <p:sldId id="274" r:id="rId18"/>
   </p:sldIdLst>
   <p:sldSz cx="12192000" cy="6858000"/>
   <p:notesSz cx="6858000" cy="9144000"/>
   <p:custDataLst>
-    <p:tags r:id="rId17"/>
+    <p:tags r:id="rId20"/>
   </p:custDataLst>
   <p:defaultTextStyle>
     <a:defPPr>
@@ -134,6 +137,8 @@
         </p14:section>
         <p14:section name="Hardware" id="{D921B79A-2E07-479F-8ECC-9D15ABA96BF5}">
           <p14:sldIdLst>
+            <p14:sldId id="272"/>
+            <p14:sldId id="273"/>
             <p14:sldId id="258"/>
             <p14:sldId id="260"/>
             <p14:sldId id="268"/>
@@ -154,6 +159,7 @@
         <p14:section name="Vorschau" id="{4A351114-26FF-488C-ADE9-350538E10DAE}">
           <p14:sldIdLst>
             <p14:sldId id="266"/>
+            <p14:sldId id="274"/>
           </p14:sldIdLst>
         </p14:section>
       </p14:sectionLst>
@@ -1220,7 +1226,7 @@
           <a:p>
             <a:fld id="{AC514FA4-38DA-4A0A-83B3-BF3465BFA09E}" type="datetimeFigureOut">
               <a:rPr lang="de-DE" smtClean="0"/>
-              <a:t>21.06.2023</a:t>
+              <a:t>28.06.2023</a:t>
             </a:fld>
             <a:endParaRPr lang="de-DE"/>
           </a:p>
@@ -1531,59 +1537,132 @@
           <a:bodyPr/>
           <a:lstStyle/>
           <a:p>
-            <a:r>
-              <a:rPr lang="de-DE" dirty="0"/>
-              <a:t>Buttons:</a:t>
-            </a:r>
-            <a:br>
-              <a:rPr lang="de-DE" dirty="0"/>
-            </a:br>
-            <a:r>
-              <a:rPr lang="de-DE" dirty="0"/>
-              <a:t>	- 10kOhm </a:t>
-            </a:r>
-            <a:r>
-              <a:rPr lang="de-DE" dirty="0" err="1"/>
-              <a:t>PullUps</a:t>
-            </a:r>
-            <a:r>
-              <a:rPr lang="de-DE" dirty="0"/>
-              <a:t>, im nicht gedrückt zustand hat der Pin 3,3 Volt im gedrückten dann 0 Volt, Pin hat im nicht </a:t>
-            </a:r>
-            <a:r>
-              <a:rPr lang="de-DE" dirty="0" err="1"/>
-              <a:t>gedrücken</a:t>
-            </a:r>
-            <a:r>
-              <a:rPr lang="de-DE" dirty="0"/>
-              <a:t> zustand definierten wert </a:t>
-            </a:r>
-          </a:p>
-          <a:p>
-            <a:r>
-              <a:rPr lang="de-DE" dirty="0"/>
-              <a:t>	- 1kOhm Überstrom Schutz falls man den GPIO ausversehen als Output definiert</a:t>
-            </a:r>
-          </a:p>
-          <a:p>
-            <a:r>
-              <a:rPr lang="de-DE" dirty="0" err="1"/>
-              <a:t>LED‘s</a:t>
-            </a:r>
-            <a:r>
-              <a:rPr lang="de-DE" dirty="0"/>
-              <a:t>:</a:t>
-            </a:r>
-          </a:p>
-          <a:p>
-            <a:r>
-              <a:rPr lang="de-DE" dirty="0"/>
-              <a:t>	- 270 Ohm Vorwiderstand zur Strom </a:t>
-            </a:r>
-            <a:r>
-              <a:rPr lang="de-DE" dirty="0" err="1"/>
-              <a:t>regulierung</a:t>
-            </a:r>
+            <a:pPr algn="l" fontAlgn="base"/>
+            <a:r>
+              <a:rPr lang="de-DE" b="1" i="0" dirty="0">
+                <a:solidFill>
+                  <a:srgbClr val="000000"/>
+                </a:solidFill>
+                <a:effectLst/>
+                <a:latin typeface="inherit"/>
+              </a:rPr>
+              <a:t>Gesteuerte Systeme</a:t>
+            </a:r>
+            <a:endParaRPr lang="de-DE" b="0" i="0" dirty="0">
+              <a:solidFill>
+                <a:srgbClr val="000000"/>
+              </a:solidFill>
+              <a:effectLst/>
+              <a:latin typeface="Open Sans" panose="020F0502020204030204" pitchFamily="34" charset="0"/>
+            </a:endParaRPr>
+          </a:p>
+          <a:p>
+            <a:pPr algn="l" fontAlgn="base">
+              <a:buFont typeface="Arial" panose="020B0604020202020204" pitchFamily="34" charset="0"/>
+              <a:buChar char="•"/>
+            </a:pPr>
+            <a:r>
+              <a:rPr lang="de-DE" b="0" i="0" dirty="0">
+                <a:solidFill>
+                  <a:srgbClr val="000000"/>
+                </a:solidFill>
+                <a:effectLst/>
+                <a:latin typeface="Open Sans" panose="020F0502020204030204" pitchFamily="34" charset="0"/>
+              </a:rPr>
+              <a:t>ABS</a:t>
+            </a:r>
+          </a:p>
+          <a:p>
+            <a:pPr algn="l" fontAlgn="base">
+              <a:buFont typeface="Arial" panose="020B0604020202020204" pitchFamily="34" charset="0"/>
+              <a:buChar char="•"/>
+            </a:pPr>
+            <a:r>
+              <a:rPr lang="de-DE" b="0" i="0" dirty="0">
+                <a:solidFill>
+                  <a:srgbClr val="000000"/>
+                </a:solidFill>
+                <a:effectLst/>
+                <a:latin typeface="Open Sans" panose="020F0502020204030204" pitchFamily="34" charset="0"/>
+              </a:rPr>
+              <a:t>Airbag-Steuerung</a:t>
+            </a:r>
+          </a:p>
+          <a:p>
+            <a:pPr algn="l" fontAlgn="base">
+              <a:buFont typeface="Arial" panose="020B0604020202020204" pitchFamily="34" charset="0"/>
+              <a:buChar char="•"/>
+            </a:pPr>
+            <a:r>
+              <a:rPr lang="de-DE" b="0" i="0" dirty="0">
+                <a:solidFill>
+                  <a:srgbClr val="000000"/>
+                </a:solidFill>
+                <a:effectLst/>
+                <a:latin typeface="Open Sans" panose="020F0502020204030204" pitchFamily="34" charset="0"/>
+              </a:rPr>
+              <a:t>elektronische Getriebesteuerung</a:t>
+            </a:r>
+          </a:p>
+          <a:p>
+            <a:pPr algn="l" fontAlgn="base">
+              <a:buFont typeface="Arial" panose="020B0604020202020204" pitchFamily="34" charset="0"/>
+              <a:buChar char="•"/>
+            </a:pPr>
+            <a:r>
+              <a:rPr lang="de-DE" b="0" i="0" dirty="0">
+                <a:solidFill>
+                  <a:srgbClr val="000000"/>
+                </a:solidFill>
+                <a:effectLst/>
+                <a:latin typeface="Open Sans" panose="020F0502020204030204" pitchFamily="34" charset="0"/>
+              </a:rPr>
+              <a:t>Klimaregelung</a:t>
+            </a:r>
+          </a:p>
+          <a:p>
+            <a:pPr algn="l" fontAlgn="base">
+              <a:buFont typeface="Arial" panose="020B0604020202020204" pitchFamily="34" charset="0"/>
+              <a:buChar char="•"/>
+            </a:pPr>
+            <a:r>
+              <a:rPr lang="de-DE" b="0" i="0" dirty="0" err="1">
+                <a:solidFill>
+                  <a:srgbClr val="000000"/>
+                </a:solidFill>
+                <a:effectLst/>
+                <a:latin typeface="Open Sans" panose="020F0502020204030204" pitchFamily="34" charset="0"/>
+              </a:rPr>
+              <a:t>Precrash</a:t>
+            </a:r>
+            <a:r>
+              <a:rPr lang="de-DE" b="0" i="0" dirty="0">
+                <a:solidFill>
+                  <a:srgbClr val="000000"/>
+                </a:solidFill>
+                <a:effectLst/>
+                <a:latin typeface="Open Sans" panose="020F0502020204030204" pitchFamily="34" charset="0"/>
+              </a:rPr>
+              <a:t>-Sensorik</a:t>
+            </a:r>
+          </a:p>
+          <a:p>
+            <a:pPr algn="l" fontAlgn="base">
+              <a:buFont typeface="Arial" panose="020B0604020202020204" pitchFamily="34" charset="0"/>
+              <a:buChar char="•"/>
+            </a:pPr>
+            <a:r>
+              <a:rPr lang="de-DE" b="0" i="0" dirty="0">
+                <a:solidFill>
+                  <a:srgbClr val="000000"/>
+                </a:solidFill>
+                <a:effectLst/>
+                <a:latin typeface="Open Sans" panose="020F0502020204030204" pitchFamily="34" charset="0"/>
+              </a:rPr>
+              <a:t>Umgebungskameras</a:t>
+            </a:r>
+          </a:p>
+          <a:p>
             <a:endParaRPr lang="de-DE" dirty="0"/>
           </a:p>
         </p:txBody>
@@ -1605,7 +1684,7 @@
           <a:p>
             <a:fld id="{CF11A0F6-A1E5-4690-90E5-50C8B555DFF2}" type="slidenum">
               <a:rPr lang="de-DE" smtClean="0"/>
-              <a:t>5</a:t>
+              <a:t>3</a:t>
             </a:fld>
             <a:endParaRPr lang="de-DE"/>
           </a:p>
@@ -1614,7 +1693,7 @@
     </p:spTree>
     <p:extLst>
       <p:ext uri="{BB962C8B-B14F-4D97-AF65-F5344CB8AC3E}">
-        <p14:creationId xmlns:p14="http://schemas.microsoft.com/office/powerpoint/2010/main" val="2650492695"/>
+        <p14:creationId xmlns:p14="http://schemas.microsoft.com/office/powerpoint/2010/main" val="3683374640"/>
       </p:ext>
     </p:extLst>
   </p:cSld>
@@ -1670,28 +1749,119 @@
           <a:p>
             <a:r>
               <a:rPr lang="de-DE" dirty="0"/>
-              <a:t>ESP32:</a:t>
+              <a:t>- Start: dient der Synchronisation,</a:t>
             </a:r>
           </a:p>
           <a:p>
             <a:r>
               <a:rPr lang="de-DE" dirty="0"/>
-              <a:t>	- Bypass </a:t>
-            </a:r>
+              <a:t>• Identifier: Information für den Empfänger und Prioritätsinformation für die</a:t>
+            </a:r>
+          </a:p>
+          <a:p>
             <a:r>
               <a:rPr lang="de-DE" dirty="0" err="1"/>
-              <a:t>Kapazitoren</a:t>
+              <a:t>Busarbitrierung</a:t>
             </a:r>
             <a:r>
               <a:rPr lang="de-DE" dirty="0"/>
-              <a:t>, dienen zur Glättung der Spannung</a:t>
-            </a:r>
-            <a:br>
+              <a:t>,</a:t>
+            </a:r>
+          </a:p>
+          <a:p>
+            <a:r>
               <a:rPr lang="de-DE" dirty="0"/>
-            </a:br>
+              <a:t>• RTR: unterscheidet zwischen Daten- (dominant) und Datenanforderungstelegramm (rezessiv),</a:t>
+            </a:r>
+          </a:p>
+          <a:p>
             <a:r>
               <a:rPr lang="de-DE" dirty="0"/>
-              <a:t>	- unterschiedliche damit unterschiedliche Spannungsfrequenzen geglättet werden</a:t>
+              <a:t>• IDE: Identifier Extension,</a:t>
+            </a:r>
+          </a:p>
+          <a:p>
+            <a:r>
+              <a:rPr lang="de-DE" dirty="0"/>
+              <a:t>• r0: reserviert,</a:t>
+            </a:r>
+          </a:p>
+          <a:p>
+            <a:r>
+              <a:rPr lang="de-DE" dirty="0"/>
+              <a:t>• DLC: enthält die Längeninformation der nachfolgenden Daten,</a:t>
+            </a:r>
+          </a:p>
+          <a:p>
+            <a:r>
+              <a:rPr lang="de-DE" dirty="0"/>
+              <a:t>• DATA: enthält die Daten des Telegramms,</a:t>
+            </a:r>
+          </a:p>
+          <a:p>
+            <a:r>
+              <a:rPr lang="de-DE" dirty="0"/>
+              <a:t>• CRC: kennzeichnet den Fehlercode für die vorangegangenen Informationen. Die CRC</a:t>
+            </a:r>
+          </a:p>
+          <a:p>
+            <a:r>
+              <a:rPr lang="de-DE" dirty="0"/>
+              <a:t>Prüfsumme wird zur Fehlererkennung verwendet,</a:t>
+            </a:r>
+          </a:p>
+          <a:p>
+            <a:r>
+              <a:rPr lang="de-DE" dirty="0"/>
+              <a:t>• ACK: enthält Rückmeldung von anderen Teilnehmern bei korrektem Empfang der</a:t>
+            </a:r>
+          </a:p>
+          <a:p>
+            <a:r>
+              <a:rPr lang="de-DE" dirty="0"/>
+              <a:t>Nachricht,</a:t>
+            </a:r>
+          </a:p>
+          <a:p>
+            <a:r>
+              <a:rPr lang="de-DE" dirty="0"/>
+              <a:t>• EOF: kennzeichnet das Ende des Datentelegramms (7 rezessive Bits),</a:t>
+            </a:r>
+          </a:p>
+          <a:p>
+            <a:r>
+              <a:rPr lang="de-DE" dirty="0"/>
+              <a:t>• IFS: kennzeichnet den Zeitraum für das Übertragen einer korrekt empfangenen</a:t>
+            </a:r>
+          </a:p>
+          <a:p>
+            <a:r>
+              <a:rPr lang="de-DE" dirty="0"/>
+              <a:t>Nachricht,</a:t>
+            </a:r>
+          </a:p>
+          <a:p>
+            <a:r>
+              <a:rPr lang="de-DE" dirty="0"/>
+              <a:t>• SRR: ersetzt im Extended Frame das RTR Bit des Standard Frames,</a:t>
+            </a:r>
+          </a:p>
+          <a:p>
+            <a:r>
+              <a:rPr lang="de-DE" dirty="0"/>
+              <a:t>• IDE: zeigt an, dass noch weitere 18 Bits folgen,</a:t>
+            </a:r>
+          </a:p>
+          <a:p>
+            <a:r>
+              <a:rPr lang="de-DE" dirty="0"/>
+              <a:t>• r1, r0, reservierte Bits,</a:t>
+            </a:r>
+          </a:p>
+          <a:p>
+            <a:r>
+              <a:rPr lang="de-DE" dirty="0"/>
+              <a:t>• DLC: Längeninformation der nachfolgenden Daten.</a:t>
             </a:r>
           </a:p>
         </p:txBody>
@@ -1713,7 +1883,7 @@
           <a:p>
             <a:fld id="{CF11A0F6-A1E5-4690-90E5-50C8B555DFF2}" type="slidenum">
               <a:rPr lang="de-DE" smtClean="0"/>
-              <a:t>6</a:t>
+              <a:t>4</a:t>
             </a:fld>
             <a:endParaRPr lang="de-DE"/>
           </a:p>
@@ -1722,7 +1892,7 @@
     </p:spTree>
     <p:extLst>
       <p:ext uri="{BB962C8B-B14F-4D97-AF65-F5344CB8AC3E}">
-        <p14:creationId xmlns:p14="http://schemas.microsoft.com/office/powerpoint/2010/main" val="3588272815"/>
+        <p14:creationId xmlns:p14="http://schemas.microsoft.com/office/powerpoint/2010/main" val="2599622272"/>
       </p:ext>
     </p:extLst>
   </p:cSld>
@@ -1778,46 +1948,58 @@
           <a:p>
             <a:r>
               <a:rPr lang="de-DE" dirty="0"/>
-              <a:t>LLC:</a:t>
-            </a:r>
-          </a:p>
-          <a:p>
-            <a:r>
+              <a:t>Buttons:</a:t>
+            </a:r>
+            <a:br>
               <a:rPr lang="de-DE" dirty="0"/>
-              <a:t>	- Display braucht 5Volt, Chip der das Display Ansteuert auch (der die I2C </a:t>
+            </a:br>
+            <a:r>
+              <a:rPr lang="de-DE" dirty="0"/>
+              <a:t>	- 10kOhm </a:t>
             </a:r>
             <a:r>
               <a:rPr lang="de-DE" dirty="0" err="1"/>
-              <a:t>nachrichten</a:t>
+              <a:t>PullUps</a:t>
             </a:r>
             <a:r>
               <a:rPr lang="de-DE" dirty="0"/>
-              <a:t> </a:t>
-            </a:r>
-          </a:p>
-          <a:p>
+              <a:t>, im nicht gedrückt zustand hat der Pin 3,3 Volt im gedrückten dann 0 Volt, Pin hat im nicht </a:t>
+            </a:r>
+            <a:r>
+              <a:rPr lang="de-DE" dirty="0" err="1"/>
+              <a:t>gedrücken</a:t>
+            </a:r>
             <a:r>
               <a:rPr lang="de-DE" dirty="0"/>
-              <a:t>	- ESP kann nur 3,3Volt ausgeben </a:t>
+              <a:t> zustand definierten wert </a:t>
             </a:r>
           </a:p>
           <a:p>
             <a:r>
               <a:rPr lang="de-DE" dirty="0"/>
-              <a:t>	- Speziell für I2C da I2C mit sehr hohen Frequenzen arbeitet</a:t>
-            </a:r>
-          </a:p>
-          <a:p>
+              <a:t>	- 1kOhm Überstrom Schutz falls man den GPIO ausversehen als Output definiert</a:t>
+            </a:r>
+          </a:p>
+          <a:p>
+            <a:r>
+              <a:rPr lang="de-DE" dirty="0" err="1"/>
+              <a:t>LED‘s</a:t>
+            </a:r>
             <a:r>
               <a:rPr lang="de-DE" dirty="0"/>
-              <a:t>	- </a:t>
+              <a:t>:</a:t>
             </a:r>
           </a:p>
           <a:p>
             <a:r>
               <a:rPr lang="de-DE" dirty="0"/>
-              <a:t>	- </a:t>
-            </a:r>
+              <a:t>	- 270 Ohm Vorwiderstand zur Strom </a:t>
+            </a:r>
+            <a:r>
+              <a:rPr lang="de-DE" dirty="0" err="1"/>
+              <a:t>regulierung</a:t>
+            </a:r>
+            <a:endParaRPr lang="de-DE" dirty="0"/>
           </a:p>
         </p:txBody>
       </p:sp>
@@ -1847,7 +2029,7 @@
     </p:spTree>
     <p:extLst>
       <p:ext uri="{BB962C8B-B14F-4D97-AF65-F5344CB8AC3E}">
-        <p14:creationId xmlns:p14="http://schemas.microsoft.com/office/powerpoint/2010/main" val="940754963"/>
+        <p14:creationId xmlns:p14="http://schemas.microsoft.com/office/powerpoint/2010/main" val="2650492695"/>
       </p:ext>
     </p:extLst>
   </p:cSld>
@@ -1903,27 +2085,28 @@
           <a:p>
             <a:r>
               <a:rPr lang="de-DE" dirty="0"/>
-              <a:t>CAN: </a:t>
+              <a:t>ESP32:</a:t>
             </a:r>
           </a:p>
           <a:p>
             <a:r>
               <a:rPr lang="de-DE" dirty="0"/>
-              <a:t>	- 120 Ohm: Stellt sicher das das Can Signal nicht Kabel ende Reflektiert wird</a:t>
-            </a:r>
-          </a:p>
-          <a:p>
+              <a:t>	- Bypass </a:t>
+            </a:r>
+            <a:r>
+              <a:rPr lang="de-DE" dirty="0" err="1"/>
+              <a:t>Kapazitoren</a:t>
+            </a:r>
             <a:r>
               <a:rPr lang="de-DE" dirty="0"/>
-              <a:t>	- Transceiver: Wandelt CAN-Nachricht in Digitales IO Signal um welches für </a:t>
-            </a:r>
-            <a:r>
-              <a:rPr lang="de-DE" dirty="0" err="1"/>
-              <a:t>für</a:t>
-            </a:r>
-            <a:r>
+              <a:t>, dienen zur Glättung der Spannung</a:t>
+            </a:r>
+            <a:br>
               <a:rPr lang="de-DE" dirty="0"/>
-              <a:t> ESP lesbar ist</a:t>
+            </a:br>
+            <a:r>
+              <a:rPr lang="de-DE" dirty="0"/>
+              <a:t>	- unterschiedliche damit unterschiedliche Spannungsfrequenzen geglättet werden</a:t>
             </a:r>
           </a:p>
         </p:txBody>
@@ -1946,6 +2129,238 @@
             <a:fld id="{CF11A0F6-A1E5-4690-90E5-50C8B555DFF2}" type="slidenum">
               <a:rPr lang="de-DE" smtClean="0"/>
               <a:t>8</a:t>
+            </a:fld>
+            <a:endParaRPr lang="de-DE"/>
+          </a:p>
+        </p:txBody>
+      </p:sp>
+    </p:spTree>
+    <p:extLst>
+      <p:ext uri="{BB962C8B-B14F-4D97-AF65-F5344CB8AC3E}">
+        <p14:creationId xmlns:p14="http://schemas.microsoft.com/office/powerpoint/2010/main" val="3588272815"/>
+      </p:ext>
+    </p:extLst>
+  </p:cSld>
+  <p:clrMapOvr>
+    <a:masterClrMapping/>
+  </p:clrMapOvr>
+</p:notes>
+</file>
+
+<file path=ppt/notesSlides/notesSlide5.xml><?xml version="1.0" encoding="utf-8"?>
+<p:notes xmlns:a="http://schemas.openxmlformats.org/drawingml/2006/main" xmlns:r="http://schemas.openxmlformats.org/officeDocument/2006/relationships" xmlns:p="http://schemas.openxmlformats.org/presentationml/2006/main">
+  <p:cSld>
+    <p:spTree>
+      <p:nvGrpSpPr>
+        <p:cNvPr id="1" name=""/>
+        <p:cNvGrpSpPr/>
+        <p:nvPr/>
+      </p:nvGrpSpPr>
+      <p:grpSpPr>
+        <a:xfrm>
+          <a:off x="0" y="0"/>
+          <a:ext cx="0" cy="0"/>
+          <a:chOff x="0" y="0"/>
+          <a:chExt cx="0" cy="0"/>
+        </a:xfrm>
+      </p:grpSpPr>
+      <p:sp>
+        <p:nvSpPr>
+          <p:cNvPr id="2" name="Folienbildplatzhalter 1"/>
+          <p:cNvSpPr>
+            <a:spLocks noGrp="1" noRot="1" noChangeAspect="1"/>
+          </p:cNvSpPr>
+          <p:nvPr>
+            <p:ph type="sldImg"/>
+          </p:nvPr>
+        </p:nvSpPr>
+        <p:spPr/>
+      </p:sp>
+      <p:sp>
+        <p:nvSpPr>
+          <p:cNvPr id="3" name="Notizenplatzhalter 2"/>
+          <p:cNvSpPr>
+            <a:spLocks noGrp="1"/>
+          </p:cNvSpPr>
+          <p:nvPr>
+            <p:ph type="body" idx="1"/>
+          </p:nvPr>
+        </p:nvSpPr>
+        <p:spPr/>
+        <p:txBody>
+          <a:bodyPr/>
+          <a:lstStyle/>
+          <a:p>
+            <a:r>
+              <a:rPr lang="de-DE" dirty="0"/>
+              <a:t>LLC:</a:t>
+            </a:r>
+          </a:p>
+          <a:p>
+            <a:r>
+              <a:rPr lang="de-DE" dirty="0"/>
+              <a:t>	- Display braucht 5Volt, Chip der das Display Ansteuert auch (der die I2C </a:t>
+            </a:r>
+            <a:r>
+              <a:rPr lang="de-DE" dirty="0" err="1"/>
+              <a:t>nachrichten</a:t>
+            </a:r>
+            <a:r>
+              <a:rPr lang="de-DE" dirty="0"/>
+              <a:t> </a:t>
+            </a:r>
+          </a:p>
+          <a:p>
+            <a:r>
+              <a:rPr lang="de-DE" dirty="0"/>
+              <a:t>	- ESP kann nur 3,3Volt ausgeben </a:t>
+            </a:r>
+          </a:p>
+          <a:p>
+            <a:r>
+              <a:rPr lang="de-DE" dirty="0"/>
+              <a:t>	- Speziell für I2C da I2C mit sehr hohen Frequenzen arbeitet</a:t>
+            </a:r>
+          </a:p>
+          <a:p>
+            <a:r>
+              <a:rPr lang="de-DE" dirty="0"/>
+              <a:t>	- </a:t>
+            </a:r>
+          </a:p>
+          <a:p>
+            <a:r>
+              <a:rPr lang="de-DE" dirty="0"/>
+              <a:t>	- </a:t>
+            </a:r>
+          </a:p>
+        </p:txBody>
+      </p:sp>
+      <p:sp>
+        <p:nvSpPr>
+          <p:cNvPr id="4" name="Foliennummernplatzhalter 3"/>
+          <p:cNvSpPr>
+            <a:spLocks noGrp="1"/>
+          </p:cNvSpPr>
+          <p:nvPr>
+            <p:ph type="sldNum" sz="quarter" idx="5"/>
+          </p:nvPr>
+        </p:nvSpPr>
+        <p:spPr/>
+        <p:txBody>
+          <a:bodyPr/>
+          <a:lstStyle/>
+          <a:p>
+            <a:fld id="{CF11A0F6-A1E5-4690-90E5-50C8B555DFF2}" type="slidenum">
+              <a:rPr lang="de-DE" smtClean="0"/>
+              <a:t>9</a:t>
+            </a:fld>
+            <a:endParaRPr lang="de-DE"/>
+          </a:p>
+        </p:txBody>
+      </p:sp>
+    </p:spTree>
+    <p:extLst>
+      <p:ext uri="{BB962C8B-B14F-4D97-AF65-F5344CB8AC3E}">
+        <p14:creationId xmlns:p14="http://schemas.microsoft.com/office/powerpoint/2010/main" val="940754963"/>
+      </p:ext>
+    </p:extLst>
+  </p:cSld>
+  <p:clrMapOvr>
+    <a:masterClrMapping/>
+  </p:clrMapOvr>
+</p:notes>
+</file>
+
+<file path=ppt/notesSlides/notesSlide6.xml><?xml version="1.0" encoding="utf-8"?>
+<p:notes xmlns:a="http://schemas.openxmlformats.org/drawingml/2006/main" xmlns:r="http://schemas.openxmlformats.org/officeDocument/2006/relationships" xmlns:p="http://schemas.openxmlformats.org/presentationml/2006/main">
+  <p:cSld>
+    <p:spTree>
+      <p:nvGrpSpPr>
+        <p:cNvPr id="1" name=""/>
+        <p:cNvGrpSpPr/>
+        <p:nvPr/>
+      </p:nvGrpSpPr>
+      <p:grpSpPr>
+        <a:xfrm>
+          <a:off x="0" y="0"/>
+          <a:ext cx="0" cy="0"/>
+          <a:chOff x="0" y="0"/>
+          <a:chExt cx="0" cy="0"/>
+        </a:xfrm>
+      </p:grpSpPr>
+      <p:sp>
+        <p:nvSpPr>
+          <p:cNvPr id="2" name="Folienbildplatzhalter 1"/>
+          <p:cNvSpPr>
+            <a:spLocks noGrp="1" noRot="1" noChangeAspect="1"/>
+          </p:cNvSpPr>
+          <p:nvPr>
+            <p:ph type="sldImg"/>
+          </p:nvPr>
+        </p:nvSpPr>
+        <p:spPr/>
+      </p:sp>
+      <p:sp>
+        <p:nvSpPr>
+          <p:cNvPr id="3" name="Notizenplatzhalter 2"/>
+          <p:cNvSpPr>
+            <a:spLocks noGrp="1"/>
+          </p:cNvSpPr>
+          <p:nvPr>
+            <p:ph type="body" idx="1"/>
+          </p:nvPr>
+        </p:nvSpPr>
+        <p:spPr/>
+        <p:txBody>
+          <a:bodyPr/>
+          <a:lstStyle/>
+          <a:p>
+            <a:r>
+              <a:rPr lang="de-DE" dirty="0"/>
+              <a:t>CAN: </a:t>
+            </a:r>
+          </a:p>
+          <a:p>
+            <a:r>
+              <a:rPr lang="de-DE" dirty="0"/>
+              <a:t>	- 120 Ohm: Stellt sicher das das Can Signal nicht Kabel ende Reflektiert wird</a:t>
+            </a:r>
+          </a:p>
+          <a:p>
+            <a:r>
+              <a:rPr lang="de-DE" dirty="0"/>
+              <a:t>	- Transceiver: Wandelt CAN-Nachricht in Digitales IO Signal um welches für </a:t>
+            </a:r>
+            <a:r>
+              <a:rPr lang="de-DE" dirty="0" err="1"/>
+              <a:t>für</a:t>
+            </a:r>
+            <a:r>
+              <a:rPr lang="de-DE" dirty="0"/>
+              <a:t> ESP lesbar ist</a:t>
+            </a:r>
+          </a:p>
+        </p:txBody>
+      </p:sp>
+      <p:sp>
+        <p:nvSpPr>
+          <p:cNvPr id="4" name="Foliennummernplatzhalter 3"/>
+          <p:cNvSpPr>
+            <a:spLocks noGrp="1"/>
+          </p:cNvSpPr>
+          <p:nvPr>
+            <p:ph type="sldNum" sz="quarter" idx="5"/>
+          </p:nvPr>
+        </p:nvSpPr>
+        <p:spPr/>
+        <p:txBody>
+          <a:bodyPr/>
+          <a:lstStyle/>
+          <a:p>
+            <a:fld id="{CF11A0F6-A1E5-4690-90E5-50C8B555DFF2}" type="slidenum">
+              <a:rPr lang="de-DE" smtClean="0"/>
+              <a:t>10</a:t>
             </a:fld>
             <a:endParaRPr lang="de-DE"/>
           </a:p>
@@ -2150,7 +2565,7 @@
           <a:p>
             <a:fld id="{42B84541-2774-49CE-8267-CB8B3A152923}" type="datetimeFigureOut">
               <a:rPr lang="de-DE" smtClean="0"/>
-              <a:t>21.06.2023</a:t>
+              <a:t>28.06.2023</a:t>
             </a:fld>
             <a:endParaRPr lang="de-DE"/>
           </a:p>
@@ -2425,7 +2840,7 @@
           <a:p>
             <a:fld id="{42B84541-2774-49CE-8267-CB8B3A152923}" type="datetimeFigureOut">
               <a:rPr lang="de-DE" smtClean="0"/>
-              <a:t>21.06.2023</a:t>
+              <a:t>28.06.2023</a:t>
             </a:fld>
             <a:endParaRPr lang="de-DE"/>
           </a:p>
@@ -2619,7 +3034,7 @@
           <a:p>
             <a:fld id="{42B84541-2774-49CE-8267-CB8B3A152923}" type="datetimeFigureOut">
               <a:rPr lang="de-DE" smtClean="0"/>
-              <a:t>21.06.2023</a:t>
+              <a:t>28.06.2023</a:t>
             </a:fld>
             <a:endParaRPr lang="de-DE"/>
           </a:p>
@@ -2892,7 +3307,7 @@
           <a:p>
             <a:fld id="{42B84541-2774-49CE-8267-CB8B3A152923}" type="datetimeFigureOut">
               <a:rPr lang="de-DE" smtClean="0"/>
-              <a:t>21.06.2023</a:t>
+              <a:t>28.06.2023</a:t>
             </a:fld>
             <a:endParaRPr lang="de-DE"/>
           </a:p>
@@ -3233,7 +3648,7 @@
           <a:p>
             <a:fld id="{42B84541-2774-49CE-8267-CB8B3A152923}" type="datetimeFigureOut">
               <a:rPr lang="de-DE" smtClean="0"/>
-              <a:t>21.06.2023</a:t>
+              <a:t>28.06.2023</a:t>
             </a:fld>
             <a:endParaRPr lang="de-DE"/>
           </a:p>
@@ -3856,7 +4271,7 @@
           <a:p>
             <a:fld id="{42B84541-2774-49CE-8267-CB8B3A152923}" type="datetimeFigureOut">
               <a:rPr lang="de-DE" smtClean="0"/>
-              <a:t>21.06.2023</a:t>
+              <a:t>28.06.2023</a:t>
             </a:fld>
             <a:endParaRPr lang="de-DE"/>
           </a:p>
@@ -4716,7 +5131,7 @@
           <a:p>
             <a:fld id="{42B84541-2774-49CE-8267-CB8B3A152923}" type="datetimeFigureOut">
               <a:rPr lang="de-DE" smtClean="0"/>
-              <a:t>21.06.2023</a:t>
+              <a:t>28.06.2023</a:t>
             </a:fld>
             <a:endParaRPr lang="de-DE"/>
           </a:p>
@@ -4886,7 +5301,7 @@
           <a:p>
             <a:fld id="{42B84541-2774-49CE-8267-CB8B3A152923}" type="datetimeFigureOut">
               <a:rPr lang="de-DE" smtClean="0"/>
-              <a:t>21.06.2023</a:t>
+              <a:t>28.06.2023</a:t>
             </a:fld>
             <a:endParaRPr lang="de-DE"/>
           </a:p>
@@ -5066,7 +5481,7 @@
           <a:p>
             <a:fld id="{42B84541-2774-49CE-8267-CB8B3A152923}" type="datetimeFigureOut">
               <a:rPr lang="de-DE" smtClean="0"/>
-              <a:t>21.06.2023</a:t>
+              <a:t>28.06.2023</a:t>
             </a:fld>
             <a:endParaRPr lang="de-DE"/>
           </a:p>
@@ -5236,7 +5651,7 @@
           <a:p>
             <a:fld id="{42B84541-2774-49CE-8267-CB8B3A152923}" type="datetimeFigureOut">
               <a:rPr lang="de-DE" smtClean="0"/>
-              <a:t>21.06.2023</a:t>
+              <a:t>28.06.2023</a:t>
             </a:fld>
             <a:endParaRPr lang="de-DE"/>
           </a:p>
@@ -5483,7 +5898,7 @@
           <a:p>
             <a:fld id="{42B84541-2774-49CE-8267-CB8B3A152923}" type="datetimeFigureOut">
               <a:rPr lang="de-DE" smtClean="0"/>
-              <a:t>21.06.2023</a:t>
+              <a:t>28.06.2023</a:t>
             </a:fld>
             <a:endParaRPr lang="de-DE"/>
           </a:p>
@@ -5775,7 +6190,7 @@
           <a:p>
             <a:fld id="{42B84541-2774-49CE-8267-CB8B3A152923}" type="datetimeFigureOut">
               <a:rPr lang="de-DE" smtClean="0"/>
-              <a:t>21.06.2023</a:t>
+              <a:t>28.06.2023</a:t>
             </a:fld>
             <a:endParaRPr lang="de-DE"/>
           </a:p>
@@ -6219,7 +6634,7 @@
           <a:p>
             <a:fld id="{42B84541-2774-49CE-8267-CB8B3A152923}" type="datetimeFigureOut">
               <a:rPr lang="de-DE" smtClean="0"/>
-              <a:t>21.06.2023</a:t>
+              <a:t>28.06.2023</a:t>
             </a:fld>
             <a:endParaRPr lang="de-DE"/>
           </a:p>
@@ -6337,7 +6752,7 @@
           <a:p>
             <a:fld id="{42B84541-2774-49CE-8267-CB8B3A152923}" type="datetimeFigureOut">
               <a:rPr lang="de-DE" smtClean="0"/>
-              <a:t>21.06.2023</a:t>
+              <a:t>28.06.2023</a:t>
             </a:fld>
             <a:endParaRPr lang="de-DE"/>
           </a:p>
@@ -6432,7 +6847,7 @@
           <a:p>
             <a:fld id="{42B84541-2774-49CE-8267-CB8B3A152923}" type="datetimeFigureOut">
               <a:rPr lang="de-DE" smtClean="0"/>
-              <a:t>21.06.2023</a:t>
+              <a:t>28.06.2023</a:t>
             </a:fld>
             <a:endParaRPr lang="de-DE"/>
           </a:p>
@@ -6711,7 +7126,7 @@
           <a:p>
             <a:fld id="{42B84541-2774-49CE-8267-CB8B3A152923}" type="datetimeFigureOut">
               <a:rPr lang="de-DE" smtClean="0"/>
-              <a:t>21.06.2023</a:t>
+              <a:t>28.06.2023</a:t>
             </a:fld>
             <a:endParaRPr lang="de-DE"/>
           </a:p>
@@ -6986,7 +7401,7 @@
           <a:p>
             <a:fld id="{42B84541-2774-49CE-8267-CB8B3A152923}" type="datetimeFigureOut">
               <a:rPr lang="de-DE" smtClean="0"/>
-              <a:t>21.06.2023</a:t>
+              <a:t>28.06.2023</a:t>
             </a:fld>
             <a:endParaRPr lang="de-DE"/>
           </a:p>
@@ -7429,7 +7844,7 @@
           <a:p>
             <a:fld id="{42B84541-2774-49CE-8267-CB8B3A152923}" type="datetimeFigureOut">
               <a:rPr lang="de-DE" smtClean="0"/>
-              <a:t>21.06.2023</a:t>
+              <a:t>28.06.2023</a:t>
             </a:fld>
             <a:endParaRPr lang="de-DE"/>
           </a:p>
@@ -8339,6 +8754,587 @@
           <p:cNvPr id="2" name="Titel 1">
             <a:extLst>
               <a:ext uri="{FF2B5EF4-FFF2-40B4-BE49-F238E27FC236}">
+                <a16:creationId xmlns:a16="http://schemas.microsoft.com/office/drawing/2014/main" id="{BF307820-F915-206D-E13B-740CF9858D9B}"/>
+              </a:ext>
+            </a:extLst>
+          </p:cNvPr>
+          <p:cNvSpPr>
+            <a:spLocks noGrp="1"/>
+          </p:cNvSpPr>
+          <p:nvPr>
+            <p:ph type="title"/>
+          </p:nvPr>
+        </p:nvSpPr>
+        <p:spPr/>
+        <p:txBody>
+          <a:bodyPr/>
+          <a:lstStyle/>
+          <a:p>
+            <a:r>
+              <a:rPr lang="de-DE" dirty="0"/>
+              <a:t>CAN-Anschluss mit Transceiver </a:t>
+            </a:r>
+          </a:p>
+        </p:txBody>
+      </p:sp>
+      <p:pic>
+        <p:nvPicPr>
+          <p:cNvPr id="14338" name="Picture 2">
+            <a:extLst>
+              <a:ext uri="{FF2B5EF4-FFF2-40B4-BE49-F238E27FC236}">
+                <a16:creationId xmlns:a16="http://schemas.microsoft.com/office/drawing/2014/main" id="{29A9D80B-5B79-76F2-6F45-5339A0C3DC6E}"/>
+              </a:ext>
+            </a:extLst>
+          </p:cNvPr>
+          <p:cNvPicPr>
+            <a:picLocks noGrp="1" noChangeAspect="1" noChangeArrowheads="1"/>
+          </p:cNvPicPr>
+          <p:nvPr>
+            <p:ph idx="1"/>
+          </p:nvPr>
+        </p:nvPicPr>
+        <p:blipFill>
+          <a:blip r:embed="rId3">
+            <a:extLst>
+              <a:ext uri="{28A0092B-C50C-407E-A947-70E740481C1C}">
+                <a14:useLocalDpi xmlns:a14="http://schemas.microsoft.com/office/drawing/2010/main" val="0"/>
+              </a:ext>
+            </a:extLst>
+          </a:blip>
+          <a:srcRect/>
+          <a:stretch>
+            <a:fillRect/>
+          </a:stretch>
+        </p:blipFill>
+        <p:spPr bwMode="auto">
+          <a:xfrm>
+            <a:off x="1981392" y="2353187"/>
+            <a:ext cx="3867690" cy="2572109"/>
+          </a:xfrm>
+          <a:prstGeom prst="rect">
+            <a:avLst/>
+          </a:prstGeom>
+          <a:noFill/>
+          <a:extLst>
+            <a:ext uri="{909E8E84-426E-40DD-AFC4-6F175D3DCCD1}">
+              <a14:hiddenFill xmlns:a14="http://schemas.microsoft.com/office/drawing/2010/main">
+                <a:solidFill>
+                  <a:srgbClr val="FFFFFF"/>
+                </a:solidFill>
+              </a14:hiddenFill>
+            </a:ext>
+          </a:extLst>
+        </p:spPr>
+      </p:pic>
+      <p:pic>
+        <p:nvPicPr>
+          <p:cNvPr id="14340" name="Picture 4">
+            <a:extLst>
+              <a:ext uri="{FF2B5EF4-FFF2-40B4-BE49-F238E27FC236}">
+                <a16:creationId xmlns:a16="http://schemas.microsoft.com/office/drawing/2014/main" id="{AE8F33C4-C2E3-6347-8B41-D4C1C0B1A96D}"/>
+              </a:ext>
+            </a:extLst>
+          </p:cNvPr>
+          <p:cNvPicPr>
+            <a:picLocks noChangeAspect="1" noChangeArrowheads="1"/>
+          </p:cNvPicPr>
+          <p:nvPr/>
+        </p:nvPicPr>
+        <p:blipFill>
+          <a:blip r:embed="rId4">
+            <a:extLst>
+              <a:ext uri="{28A0092B-C50C-407E-A947-70E740481C1C}">
+                <a14:useLocalDpi xmlns:a14="http://schemas.microsoft.com/office/drawing/2010/main" val="0"/>
+              </a:ext>
+            </a:extLst>
+          </a:blip>
+          <a:srcRect/>
+          <a:stretch>
+            <a:fillRect/>
+          </a:stretch>
+        </p:blipFill>
+        <p:spPr bwMode="auto">
+          <a:xfrm>
+            <a:off x="6342920" y="2562916"/>
+            <a:ext cx="2800350" cy="2152650"/>
+          </a:xfrm>
+          <a:prstGeom prst="rect">
+            <a:avLst/>
+          </a:prstGeom>
+          <a:noFill/>
+          <a:extLst>
+            <a:ext uri="{909E8E84-426E-40DD-AFC4-6F175D3DCCD1}">
+              <a14:hiddenFill xmlns:a14="http://schemas.microsoft.com/office/drawing/2010/main">
+                <a:solidFill>
+                  <a:srgbClr val="FFFFFF"/>
+                </a:solidFill>
+              </a14:hiddenFill>
+            </a:ext>
+          </a:extLst>
+        </p:spPr>
+      </p:pic>
+    </p:spTree>
+    <p:extLst>
+      <p:ext uri="{BB962C8B-B14F-4D97-AF65-F5344CB8AC3E}">
+        <p14:creationId xmlns:p14="http://schemas.microsoft.com/office/powerpoint/2010/main" val="100445414"/>
+      </p:ext>
+    </p:extLst>
+  </p:cSld>
+  <p:clrMapOvr>
+    <a:masterClrMapping/>
+  </p:clrMapOvr>
+</p:sld>
+</file>
+
+<file path=ppt/slides/slide11.xml><?xml version="1.0" encoding="utf-8"?>
+<p:sld xmlns:a="http://schemas.openxmlformats.org/drawingml/2006/main" xmlns:r="http://schemas.openxmlformats.org/officeDocument/2006/relationships" xmlns:p="http://schemas.openxmlformats.org/presentationml/2006/main">
+  <p:cSld>
+    <p:spTree>
+      <p:nvGrpSpPr>
+        <p:cNvPr id="1" name=""/>
+        <p:cNvGrpSpPr/>
+        <p:nvPr/>
+      </p:nvGrpSpPr>
+      <p:grpSpPr>
+        <a:xfrm>
+          <a:off x="0" y="0"/>
+          <a:ext cx="0" cy="0"/>
+          <a:chOff x="0" y="0"/>
+          <a:chExt cx="0" cy="0"/>
+        </a:xfrm>
+      </p:grpSpPr>
+      <p:graphicFrame>
+        <p:nvGraphicFramePr>
+          <p:cNvPr id="4" name="Objekt 3" hidden="1">
+            <a:extLst>
+              <a:ext uri="{FF2B5EF4-FFF2-40B4-BE49-F238E27FC236}">
+                <a16:creationId xmlns:a16="http://schemas.microsoft.com/office/drawing/2014/main" id="{38128D19-ACB0-4A63-9B74-2C96D9CCA27D}"/>
+              </a:ext>
+            </a:extLst>
+          </p:cNvPr>
+          <p:cNvGraphicFramePr>
+            <a:graphicFrameLocks noChangeAspect="1"/>
+          </p:cNvGraphicFramePr>
+          <p:nvPr>
+            <p:custDataLst>
+              <p:tags r:id="rId1"/>
+            </p:custDataLst>
+          </p:nvPr>
+        </p:nvGraphicFramePr>
+        <p:xfrm>
+          <a:off x="1588" y="1588"/>
+          <a:ext cx="1588" cy="1588"/>
+        </p:xfrm>
+        <a:graphic>
+          <a:graphicData uri="http://schemas.openxmlformats.org/presentationml/2006/ole">
+            <mc:AlternateContent xmlns:mc="http://schemas.openxmlformats.org/markup-compatibility/2006">
+              <mc:Choice xmlns:v="urn:schemas-microsoft-com:vml" Requires="v">
+                <p:oleObj name="think-cell Folie" r:id="rId3" imgW="344" imgH="344" progId="TCLayout.ActiveDocument.1">
+                  <p:embed/>
+                </p:oleObj>
+              </mc:Choice>
+              <mc:Fallback>
+                <p:oleObj name="think-cell Folie" r:id="rId3" imgW="344" imgH="344" progId="TCLayout.ActiveDocument.1">
+                  <p:embed/>
+                  <p:pic>
+                    <p:nvPicPr>
+                      <p:cNvPr id="4" name="Objekt 3" hidden="1">
+                        <a:extLst>
+                          <a:ext uri="{FF2B5EF4-FFF2-40B4-BE49-F238E27FC236}">
+                            <a16:creationId xmlns:a16="http://schemas.microsoft.com/office/drawing/2014/main" id="{38128D19-ACB0-4A63-9B74-2C96D9CCA27D}"/>
+                          </a:ext>
+                        </a:extLst>
+                      </p:cNvPr>
+                      <p:cNvPicPr/>
+                      <p:nvPr/>
+                    </p:nvPicPr>
+                    <p:blipFill>
+                      <a:blip r:embed="rId4"/>
+                      <a:stretch>
+                        <a:fillRect/>
+                      </a:stretch>
+                    </p:blipFill>
+                    <p:spPr>
+                      <a:xfrm>
+                        <a:off x="1588" y="1588"/>
+                        <a:ext cx="1588" cy="1588"/>
+                      </a:xfrm>
+                      <a:prstGeom prst="rect">
+                        <a:avLst/>
+                      </a:prstGeom>
+                    </p:spPr>
+                  </p:pic>
+                </p:oleObj>
+              </mc:Fallback>
+            </mc:AlternateContent>
+          </a:graphicData>
+        </a:graphic>
+      </p:graphicFrame>
+      <p:sp>
+        <p:nvSpPr>
+          <p:cNvPr id="2" name="Titel 1">
+            <a:extLst>
+              <a:ext uri="{FF2B5EF4-FFF2-40B4-BE49-F238E27FC236}">
+                <a16:creationId xmlns:a16="http://schemas.microsoft.com/office/drawing/2014/main" id="{B2EEC2FC-73D6-47A6-8C80-F8D60D62DB11}"/>
+              </a:ext>
+            </a:extLst>
+          </p:cNvPr>
+          <p:cNvSpPr>
+            <a:spLocks noGrp="1"/>
+          </p:cNvSpPr>
+          <p:nvPr>
+            <p:ph type="title"/>
+          </p:nvPr>
+        </p:nvSpPr>
+        <p:spPr/>
+        <p:txBody>
+          <a:bodyPr vert="horz"/>
+          <a:lstStyle/>
+          <a:p>
+            <a:pPr algn="ctr"/>
+            <a:r>
+              <a:rPr lang="de-DE" dirty="0"/>
+              <a:t>Leiterplatte</a:t>
+            </a:r>
+          </a:p>
+        </p:txBody>
+      </p:sp>
+      <p:pic>
+        <p:nvPicPr>
+          <p:cNvPr id="7170" name="Picture 2">
+            <a:extLst>
+              <a:ext uri="{FF2B5EF4-FFF2-40B4-BE49-F238E27FC236}">
+                <a16:creationId xmlns:a16="http://schemas.microsoft.com/office/drawing/2014/main" id="{50C6BE9C-2E7C-9B47-2592-8CD59A12225E}"/>
+              </a:ext>
+            </a:extLst>
+          </p:cNvPr>
+          <p:cNvPicPr>
+            <a:picLocks noChangeAspect="1" noChangeArrowheads="1"/>
+          </p:cNvPicPr>
+          <p:nvPr/>
+        </p:nvPicPr>
+        <p:blipFill>
+          <a:blip r:embed="rId5">
+            <a:extLst>
+              <a:ext uri="{28A0092B-C50C-407E-A947-70E740481C1C}">
+                <a14:useLocalDpi xmlns:a14="http://schemas.microsoft.com/office/drawing/2010/main" val="0"/>
+              </a:ext>
+            </a:extLst>
+          </a:blip>
+          <a:srcRect/>
+          <a:stretch>
+            <a:fillRect/>
+          </a:stretch>
+        </p:blipFill>
+        <p:spPr bwMode="auto">
+          <a:xfrm rot="5400000">
+            <a:off x="3298258" y="-478094"/>
+            <a:ext cx="5595486" cy="8857641"/>
+          </a:xfrm>
+          <a:prstGeom prst="rect">
+            <a:avLst/>
+          </a:prstGeom>
+          <a:noFill/>
+          <a:extLst>
+            <a:ext uri="{909E8E84-426E-40DD-AFC4-6F175D3DCCD1}">
+              <a14:hiddenFill xmlns:a14="http://schemas.microsoft.com/office/drawing/2010/main">
+                <a:solidFill>
+                  <a:srgbClr val="FFFFFF"/>
+                </a:solidFill>
+              </a14:hiddenFill>
+            </a:ext>
+          </a:extLst>
+        </p:spPr>
+      </p:pic>
+      <p:sp>
+        <p:nvSpPr>
+          <p:cNvPr id="8" name="Textfeld 7">
+            <a:extLst>
+              <a:ext uri="{FF2B5EF4-FFF2-40B4-BE49-F238E27FC236}">
+                <a16:creationId xmlns:a16="http://schemas.microsoft.com/office/drawing/2014/main" id="{094EFCAE-620B-65D8-E105-041C6748D899}"/>
+              </a:ext>
+            </a:extLst>
+          </p:cNvPr>
+          <p:cNvSpPr txBox="1"/>
+          <p:nvPr/>
+        </p:nvSpPr>
+        <p:spPr>
+          <a:xfrm>
+            <a:off x="7258755" y="3429000"/>
+            <a:ext cx="893193" cy="369332"/>
+          </a:xfrm>
+          <a:prstGeom prst="rect">
+            <a:avLst/>
+          </a:prstGeom>
+          <a:noFill/>
+        </p:spPr>
+        <p:txBody>
+          <a:bodyPr wrap="none" rtlCol="0">
+            <a:spAutoFit/>
+          </a:bodyPr>
+          <a:lstStyle/>
+          <a:p>
+            <a:r>
+              <a:rPr lang="de-DE" dirty="0"/>
+              <a:t>ESP-32</a:t>
+            </a:r>
+          </a:p>
+        </p:txBody>
+      </p:sp>
+      <p:sp>
+        <p:nvSpPr>
+          <p:cNvPr id="10" name="Rechteck 9">
+            <a:extLst>
+              <a:ext uri="{FF2B5EF4-FFF2-40B4-BE49-F238E27FC236}">
+                <a16:creationId xmlns:a16="http://schemas.microsoft.com/office/drawing/2014/main" id="{60579E37-ED1E-6B09-F039-87BC55D3D7B6}"/>
+              </a:ext>
+            </a:extLst>
+          </p:cNvPr>
+          <p:cNvSpPr/>
+          <p:nvPr/>
+        </p:nvSpPr>
+        <p:spPr>
+          <a:xfrm rot="5400000">
+            <a:off x="740964" y="4507609"/>
+            <a:ext cx="1483098" cy="369332"/>
+          </a:xfrm>
+          <a:prstGeom prst="rect">
+            <a:avLst/>
+          </a:prstGeom>
+        </p:spPr>
+        <p:txBody>
+          <a:bodyPr wrap="none">
+            <a:spAutoFit/>
+          </a:bodyPr>
+          <a:lstStyle/>
+          <a:p>
+            <a:r>
+              <a:rPr lang="de-DE" dirty="0"/>
+              <a:t>Status </a:t>
+            </a:r>
+            <a:r>
+              <a:rPr lang="de-DE" dirty="0" err="1"/>
+              <a:t>LED‘s</a:t>
+            </a:r>
+            <a:endParaRPr lang="de-DE" dirty="0"/>
+          </a:p>
+        </p:txBody>
+      </p:sp>
+      <p:sp>
+        <p:nvSpPr>
+          <p:cNvPr id="11" name="Textfeld 10">
+            <a:extLst>
+              <a:ext uri="{FF2B5EF4-FFF2-40B4-BE49-F238E27FC236}">
+                <a16:creationId xmlns:a16="http://schemas.microsoft.com/office/drawing/2014/main" id="{9E6BD7F4-1F05-3DF7-6E5C-49D1B5D44C42}"/>
+              </a:ext>
+            </a:extLst>
+          </p:cNvPr>
+          <p:cNvSpPr txBox="1"/>
+          <p:nvPr/>
+        </p:nvSpPr>
+        <p:spPr>
+          <a:xfrm rot="5400000">
+            <a:off x="2231922" y="4316667"/>
+            <a:ext cx="1101213" cy="369332"/>
+          </a:xfrm>
+          <a:prstGeom prst="rect">
+            <a:avLst/>
+          </a:prstGeom>
+          <a:noFill/>
+        </p:spPr>
+        <p:txBody>
+          <a:bodyPr wrap="square" rtlCol="0">
+            <a:spAutoFit/>
+          </a:bodyPr>
+          <a:lstStyle/>
+          <a:p>
+            <a:r>
+              <a:rPr lang="de-DE" dirty="0"/>
+              <a:t>Buttons</a:t>
+            </a:r>
+          </a:p>
+        </p:txBody>
+      </p:sp>
+      <p:sp>
+        <p:nvSpPr>
+          <p:cNvPr id="14" name="Textfeld 13">
+            <a:extLst>
+              <a:ext uri="{FF2B5EF4-FFF2-40B4-BE49-F238E27FC236}">
+                <a16:creationId xmlns:a16="http://schemas.microsoft.com/office/drawing/2014/main" id="{2362E827-3E10-86F8-504D-9EAED37C8B19}"/>
+              </a:ext>
+            </a:extLst>
+          </p:cNvPr>
+          <p:cNvSpPr txBox="1"/>
+          <p:nvPr/>
+        </p:nvSpPr>
+        <p:spPr>
+          <a:xfrm>
+            <a:off x="4736600" y="2039504"/>
+            <a:ext cx="2325510" cy="369332"/>
+          </a:xfrm>
+          <a:prstGeom prst="rect">
+            <a:avLst/>
+          </a:prstGeom>
+          <a:noFill/>
+        </p:spPr>
+        <p:txBody>
+          <a:bodyPr wrap="square" rtlCol="0">
+            <a:spAutoFit/>
+          </a:bodyPr>
+          <a:lstStyle/>
+          <a:p>
+            <a:r>
+              <a:rPr lang="de-DE" dirty="0"/>
+              <a:t>SUB-D Stecker</a:t>
+            </a:r>
+          </a:p>
+        </p:txBody>
+      </p:sp>
+      <p:sp>
+        <p:nvSpPr>
+          <p:cNvPr id="15" name="Textfeld 14">
+            <a:extLst>
+              <a:ext uri="{FF2B5EF4-FFF2-40B4-BE49-F238E27FC236}">
+                <a16:creationId xmlns:a16="http://schemas.microsoft.com/office/drawing/2014/main" id="{A57CE18D-B5A4-3B7C-C360-9F1961A9C292}"/>
+              </a:ext>
+            </a:extLst>
+          </p:cNvPr>
+          <p:cNvSpPr txBox="1"/>
+          <p:nvPr/>
+        </p:nvSpPr>
+        <p:spPr>
+          <a:xfrm>
+            <a:off x="4535219" y="4787493"/>
+            <a:ext cx="2045110" cy="646331"/>
+          </a:xfrm>
+          <a:prstGeom prst="rect">
+            <a:avLst/>
+          </a:prstGeom>
+          <a:noFill/>
+        </p:spPr>
+        <p:txBody>
+          <a:bodyPr wrap="square" rtlCol="0">
+            <a:spAutoFit/>
+          </a:bodyPr>
+          <a:lstStyle/>
+          <a:p>
+            <a:pPr algn="ctr"/>
+            <a:r>
+              <a:rPr lang="de-DE" dirty="0"/>
+              <a:t>UART-Transceiver</a:t>
+            </a:r>
+          </a:p>
+        </p:txBody>
+      </p:sp>
+      <p:sp>
+        <p:nvSpPr>
+          <p:cNvPr id="16" name="Textfeld 15">
+            <a:extLst>
+              <a:ext uri="{FF2B5EF4-FFF2-40B4-BE49-F238E27FC236}">
+                <a16:creationId xmlns:a16="http://schemas.microsoft.com/office/drawing/2014/main" id="{3CFD3C4B-9F3C-9860-9AB4-DC0832B6534D}"/>
+              </a:ext>
+            </a:extLst>
+          </p:cNvPr>
+          <p:cNvSpPr txBox="1"/>
+          <p:nvPr/>
+        </p:nvSpPr>
+        <p:spPr>
+          <a:xfrm>
+            <a:off x="9448368" y="5110658"/>
+            <a:ext cx="1457440" cy="646331"/>
+          </a:xfrm>
+          <a:prstGeom prst="rect">
+            <a:avLst/>
+          </a:prstGeom>
+          <a:noFill/>
+        </p:spPr>
+        <p:txBody>
+          <a:bodyPr wrap="square" rtlCol="0">
+            <a:spAutoFit/>
+          </a:bodyPr>
+          <a:lstStyle/>
+          <a:p>
+            <a:r>
+              <a:rPr lang="de-DE" dirty="0"/>
+              <a:t>Display Anschluss</a:t>
+            </a:r>
+          </a:p>
+        </p:txBody>
+      </p:sp>
+      <p:sp>
+        <p:nvSpPr>
+          <p:cNvPr id="19" name="Textfeld 18">
+            <a:extLst>
+              <a:ext uri="{FF2B5EF4-FFF2-40B4-BE49-F238E27FC236}">
+                <a16:creationId xmlns:a16="http://schemas.microsoft.com/office/drawing/2014/main" id="{A9FD266C-F889-CBA7-8D2C-10F6BF6B30B9}"/>
+              </a:ext>
+            </a:extLst>
+          </p:cNvPr>
+          <p:cNvSpPr txBox="1"/>
+          <p:nvPr/>
+        </p:nvSpPr>
+        <p:spPr>
+          <a:xfrm>
+            <a:off x="5538110" y="5537149"/>
+            <a:ext cx="3048000" cy="369332"/>
+          </a:xfrm>
+          <a:prstGeom prst="rect">
+            <a:avLst/>
+          </a:prstGeom>
+          <a:noFill/>
+        </p:spPr>
+        <p:txBody>
+          <a:bodyPr wrap="square" rtlCol="0">
+            <a:spAutoFit/>
+          </a:bodyPr>
+          <a:lstStyle/>
+          <a:p>
+            <a:r>
+              <a:rPr lang="de-DE" dirty="0" err="1"/>
+              <a:t>Logic</a:t>
+            </a:r>
+            <a:r>
+              <a:rPr lang="de-DE" dirty="0"/>
+              <a:t> Level Converter</a:t>
+            </a:r>
+          </a:p>
+        </p:txBody>
+      </p:sp>
+    </p:spTree>
+    <p:extLst>
+      <p:ext uri="{BB962C8B-B14F-4D97-AF65-F5344CB8AC3E}">
+        <p14:creationId xmlns:p14="http://schemas.microsoft.com/office/powerpoint/2010/main" val="1876703542"/>
+      </p:ext>
+    </p:extLst>
+  </p:cSld>
+  <p:clrMapOvr>
+    <a:masterClrMapping/>
+  </p:clrMapOvr>
+</p:sld>
+</file>
+
+<file path=ppt/slides/slide12.xml><?xml version="1.0" encoding="utf-8"?>
+<p:sld xmlns:a="http://schemas.openxmlformats.org/drawingml/2006/main" xmlns:r="http://schemas.openxmlformats.org/officeDocument/2006/relationships" xmlns:p="http://schemas.openxmlformats.org/presentationml/2006/main">
+  <p:cSld>
+    <p:spTree>
+      <p:nvGrpSpPr>
+        <p:cNvPr id="1" name=""/>
+        <p:cNvGrpSpPr/>
+        <p:nvPr/>
+      </p:nvGrpSpPr>
+      <p:grpSpPr>
+        <a:xfrm>
+          <a:off x="0" y="0"/>
+          <a:ext cx="0" cy="0"/>
+          <a:chOff x="0" y="0"/>
+          <a:chExt cx="0" cy="0"/>
+        </a:xfrm>
+      </p:grpSpPr>
+      <p:sp>
+        <p:nvSpPr>
+          <p:cNvPr id="2" name="Titel 1">
+            <a:extLst>
+              <a:ext uri="{FF2B5EF4-FFF2-40B4-BE49-F238E27FC236}">
                 <a16:creationId xmlns:a16="http://schemas.microsoft.com/office/drawing/2014/main" id="{B3514B28-2C88-2506-23FA-FF1D6053A2AE}"/>
               </a:ext>
             </a:extLst>
@@ -8668,7 +9664,7 @@
 </p:sld>
 </file>
 
-<file path=ppt/slides/slide11.xml><?xml version="1.0" encoding="utf-8"?>
+<file path=ppt/slides/slide13.xml><?xml version="1.0" encoding="utf-8"?>
 <p:sld xmlns:a="http://schemas.openxmlformats.org/drawingml/2006/main" xmlns:r="http://schemas.openxmlformats.org/officeDocument/2006/relationships" xmlns:p="http://schemas.openxmlformats.org/presentationml/2006/main">
   <p:cSld>
     <p:spTree>
@@ -8761,7 +9757,7 @@
 </p:sld>
 </file>
 
-<file path=ppt/slides/slide12.xml><?xml version="1.0" encoding="utf-8"?>
+<file path=ppt/slides/slide14.xml><?xml version="1.0" encoding="utf-8"?>
 <p:sld xmlns:a="http://schemas.openxmlformats.org/drawingml/2006/main" xmlns:r="http://schemas.openxmlformats.org/officeDocument/2006/relationships" xmlns:p="http://schemas.openxmlformats.org/presentationml/2006/main">
   <p:cSld>
     <p:spTree>
@@ -8854,7 +9850,7 @@
 </p:sld>
 </file>
 
-<file path=ppt/slides/slide13.xml><?xml version="1.0" encoding="utf-8"?>
+<file path=ppt/slides/slide15.xml><?xml version="1.0" encoding="utf-8"?>
 <p:sld xmlns:a="http://schemas.openxmlformats.org/drawingml/2006/main" xmlns:r="http://schemas.openxmlformats.org/officeDocument/2006/relationships" xmlns:p="http://schemas.openxmlformats.org/presentationml/2006/main">
   <p:cSld>
     <p:spTree>
@@ -8942,7 +9938,7 @@
 </p:sld>
 </file>
 
-<file path=ppt/slides/slide14.xml><?xml version="1.0" encoding="utf-8"?>
+<file path=ppt/slides/slide16.xml><?xml version="1.0" encoding="utf-8"?>
 <p:sld xmlns:a="http://schemas.openxmlformats.org/drawingml/2006/main" xmlns:r="http://schemas.openxmlformats.org/officeDocument/2006/relationships" xmlns:p="http://schemas.openxmlformats.org/presentationml/2006/main">
   <p:cSld>
     <p:spTree>
@@ -9054,6 +10050,120 @@
     <p:extLst>
       <p:ext uri="{BB962C8B-B14F-4D97-AF65-F5344CB8AC3E}">
         <p14:creationId xmlns:p14="http://schemas.microsoft.com/office/powerpoint/2010/main" val="3913850598"/>
+      </p:ext>
+    </p:extLst>
+  </p:cSld>
+  <p:clrMapOvr>
+    <a:masterClrMapping/>
+  </p:clrMapOvr>
+</p:sld>
+</file>
+
+<file path=ppt/slides/slide17.xml><?xml version="1.0" encoding="utf-8"?>
+<p:sld xmlns:a="http://schemas.openxmlformats.org/drawingml/2006/main" xmlns:r="http://schemas.openxmlformats.org/officeDocument/2006/relationships" xmlns:p="http://schemas.openxmlformats.org/presentationml/2006/main">
+  <p:cSld>
+    <p:spTree>
+      <p:nvGrpSpPr>
+        <p:cNvPr id="1" name=""/>
+        <p:cNvGrpSpPr/>
+        <p:nvPr/>
+      </p:nvGrpSpPr>
+      <p:grpSpPr>
+        <a:xfrm>
+          <a:off x="0" y="0"/>
+          <a:ext cx="0" cy="0"/>
+          <a:chOff x="0" y="0"/>
+          <a:chExt cx="0" cy="0"/>
+        </a:xfrm>
+      </p:grpSpPr>
+      <p:sp>
+        <p:nvSpPr>
+          <p:cNvPr id="2" name="Titel 1">
+            <a:extLst>
+              <a:ext uri="{FF2B5EF4-FFF2-40B4-BE49-F238E27FC236}">
+                <a16:creationId xmlns:a16="http://schemas.microsoft.com/office/drawing/2014/main" id="{339F4C11-2690-895C-6300-3E5C377E6C07}"/>
+              </a:ext>
+            </a:extLst>
+          </p:cNvPr>
+          <p:cNvSpPr>
+            <a:spLocks noGrp="1"/>
+          </p:cNvSpPr>
+          <p:nvPr>
+            <p:ph type="title"/>
+          </p:nvPr>
+        </p:nvSpPr>
+        <p:spPr/>
+        <p:txBody>
+          <a:bodyPr/>
+          <a:lstStyle/>
+          <a:p>
+            <a:pPr algn="ctr"/>
+            <a:r>
+              <a:rPr lang="de-DE" dirty="0"/>
+              <a:t>Quellen</a:t>
+            </a:r>
+          </a:p>
+        </p:txBody>
+      </p:sp>
+      <p:sp>
+        <p:nvSpPr>
+          <p:cNvPr id="3" name="Inhaltsplatzhalter 2">
+            <a:extLst>
+              <a:ext uri="{FF2B5EF4-FFF2-40B4-BE49-F238E27FC236}">
+                <a16:creationId xmlns:a16="http://schemas.microsoft.com/office/drawing/2014/main" id="{3F409E67-6F15-8303-BFC8-42E96C20F2D1}"/>
+              </a:ext>
+            </a:extLst>
+          </p:cNvPr>
+          <p:cNvSpPr>
+            <a:spLocks noGrp="1"/>
+          </p:cNvSpPr>
+          <p:nvPr>
+            <p:ph idx="1"/>
+          </p:nvPr>
+        </p:nvSpPr>
+        <p:spPr/>
+        <p:txBody>
+          <a:bodyPr/>
+          <a:lstStyle/>
+          <a:p>
+            <a:r>
+              <a:rPr lang="de-DE" dirty="0">
+                <a:hlinkClick r:id="rId2"/>
+              </a:rPr>
+              <a:t>https://www.kfz.net/autolexikon/canbus/</a:t>
+            </a:r>
+            <a:endParaRPr lang="de-DE" dirty="0"/>
+          </a:p>
+          <a:p>
+            <a:r>
+              <a:rPr lang="de-DE" dirty="0">
+                <a:hlinkClick r:id="rId3"/>
+              </a:rPr>
+              <a:t>https://ess.cs.tudortmund.de/Teaching/PGs/autolab/ausarbeitungen/Kosch-CAN-Ausarbeitung.pdf</a:t>
+            </a:r>
+            <a:endParaRPr lang="de-DE" dirty="0"/>
+          </a:p>
+          <a:p>
+            <a:r>
+              <a:rPr lang="de-DE" dirty="0">
+                <a:hlinkClick r:id="rId4"/>
+              </a:rPr>
+              <a:t>https://www.mikrocontroller.net/attachment/6819/canbus.pdf</a:t>
+            </a:r>
+            <a:endParaRPr lang="de-DE" dirty="0"/>
+          </a:p>
+          <a:p>
+            <a:endParaRPr lang="de-DE" dirty="0"/>
+          </a:p>
+          <a:p>
+            <a:endParaRPr lang="de-DE" dirty="0"/>
+          </a:p>
+        </p:txBody>
+      </p:sp>
+    </p:spTree>
+    <p:extLst>
+      <p:ext uri="{BB962C8B-B14F-4D97-AF65-F5344CB8AC3E}">
+        <p14:creationId xmlns:p14="http://schemas.microsoft.com/office/powerpoint/2010/main" val="69358157"/>
       </p:ext>
     </p:extLst>
   </p:cSld>
@@ -9270,6 +10380,364 @@
 </file>
 
 <file path=ppt/slides/slide3.xml><?xml version="1.0" encoding="utf-8"?>
+<p:sld xmlns:a="http://schemas.openxmlformats.org/drawingml/2006/main" xmlns:r="http://schemas.openxmlformats.org/officeDocument/2006/relationships" xmlns:p="http://schemas.openxmlformats.org/presentationml/2006/main">
+  <p:cSld>
+    <p:spTree>
+      <p:nvGrpSpPr>
+        <p:cNvPr id="1" name=""/>
+        <p:cNvGrpSpPr/>
+        <p:nvPr/>
+      </p:nvGrpSpPr>
+      <p:grpSpPr>
+        <a:xfrm>
+          <a:off x="0" y="0"/>
+          <a:ext cx="0" cy="0"/>
+          <a:chOff x="0" y="0"/>
+          <a:chExt cx="0" cy="0"/>
+        </a:xfrm>
+      </p:grpSpPr>
+      <p:sp>
+        <p:nvSpPr>
+          <p:cNvPr id="2" name="Titel 1">
+            <a:extLst>
+              <a:ext uri="{FF2B5EF4-FFF2-40B4-BE49-F238E27FC236}">
+                <a16:creationId xmlns:a16="http://schemas.microsoft.com/office/drawing/2014/main" id="{820C5543-48FB-051B-168A-65A87AD5D520}"/>
+              </a:ext>
+            </a:extLst>
+          </p:cNvPr>
+          <p:cNvSpPr>
+            <a:spLocks noGrp="1"/>
+          </p:cNvSpPr>
+          <p:nvPr>
+            <p:ph type="title"/>
+          </p:nvPr>
+        </p:nvSpPr>
+        <p:spPr/>
+        <p:txBody>
+          <a:bodyPr/>
+          <a:lstStyle/>
+          <a:p>
+            <a:pPr algn="ctr"/>
+            <a:r>
+              <a:rPr lang="de-DE" dirty="0"/>
+              <a:t>Allgemeines</a:t>
+            </a:r>
+          </a:p>
+        </p:txBody>
+      </p:sp>
+      <p:sp>
+        <p:nvSpPr>
+          <p:cNvPr id="3" name="Inhaltsplatzhalter 2">
+            <a:extLst>
+              <a:ext uri="{FF2B5EF4-FFF2-40B4-BE49-F238E27FC236}">
+                <a16:creationId xmlns:a16="http://schemas.microsoft.com/office/drawing/2014/main" id="{868123CC-806E-17DE-28D0-872E72CC838C}"/>
+              </a:ext>
+            </a:extLst>
+          </p:cNvPr>
+          <p:cNvSpPr>
+            <a:spLocks noGrp="1"/>
+          </p:cNvSpPr>
+          <p:nvPr>
+            <p:ph idx="1"/>
+          </p:nvPr>
+        </p:nvSpPr>
+        <p:spPr/>
+        <p:txBody>
+          <a:bodyPr/>
+          <a:lstStyle/>
+          <a:p>
+            <a:r>
+              <a:rPr lang="de-DE" dirty="0"/>
+              <a:t>Anwendungsgebiete:</a:t>
+            </a:r>
+          </a:p>
+          <a:p>
+            <a:pPr lvl="1"/>
+            <a:r>
+              <a:rPr lang="de-DE" dirty="0"/>
+              <a:t>Automobil Bereich</a:t>
+            </a:r>
+          </a:p>
+          <a:p>
+            <a:pPr lvl="1"/>
+            <a:r>
+              <a:rPr lang="de-DE" dirty="0"/>
+              <a:t>Fahrstuhl-Steuerungen </a:t>
+            </a:r>
+          </a:p>
+          <a:p>
+            <a:pPr lvl="1"/>
+            <a:r>
+              <a:rPr lang="de-DE" dirty="0"/>
+              <a:t>Automatisierungstechnik (z.B. bei KUKA-Robotern)</a:t>
+            </a:r>
+          </a:p>
+          <a:p>
+            <a:pPr marL="457200" lvl="1" indent="0">
+              <a:buNone/>
+            </a:pPr>
+            <a:endParaRPr lang="de-DE" dirty="0"/>
+          </a:p>
+          <a:p>
+            <a:r>
+              <a:rPr lang="de-DE" dirty="0"/>
+              <a:t>Vorteile von CAN</a:t>
+            </a:r>
+          </a:p>
+          <a:p>
+            <a:pPr lvl="1"/>
+            <a:r>
+              <a:rPr lang="de-DE" dirty="0"/>
+              <a:t>Mehrfache Sicherung bei der Datenübertragung</a:t>
+            </a:r>
+          </a:p>
+          <a:p>
+            <a:pPr lvl="1"/>
+            <a:r>
+              <a:rPr lang="de-DE" dirty="0"/>
+              <a:t>Echtzeitfähig</a:t>
+            </a:r>
+          </a:p>
+          <a:p>
+            <a:endParaRPr lang="de-DE" dirty="0"/>
+          </a:p>
+          <a:p>
+            <a:pPr lvl="1"/>
+            <a:endParaRPr lang="de-DE" dirty="0"/>
+          </a:p>
+        </p:txBody>
+      </p:sp>
+      <p:pic>
+        <p:nvPicPr>
+          <p:cNvPr id="1026" name="Picture 2" descr="CAN-Bus Erklärung zum Datenbus im Autolexikon - Kfz.net">
+            <a:extLst>
+              <a:ext uri="{FF2B5EF4-FFF2-40B4-BE49-F238E27FC236}">
+                <a16:creationId xmlns:a16="http://schemas.microsoft.com/office/drawing/2014/main" id="{F18F86A7-A8F6-9281-075E-BEEC96A9422F}"/>
+              </a:ext>
+            </a:extLst>
+          </p:cNvPr>
+          <p:cNvPicPr>
+            <a:picLocks noChangeAspect="1" noChangeArrowheads="1"/>
+          </p:cNvPicPr>
+          <p:nvPr/>
+        </p:nvPicPr>
+        <p:blipFill>
+          <a:blip r:embed="rId3">
+            <a:extLst>
+              <a:ext uri="{28A0092B-C50C-407E-A947-70E740481C1C}">
+                <a14:useLocalDpi xmlns:a14="http://schemas.microsoft.com/office/drawing/2010/main" val="0"/>
+              </a:ext>
+            </a:extLst>
+          </a:blip>
+          <a:srcRect/>
+          <a:stretch>
+            <a:fillRect/>
+          </a:stretch>
+        </p:blipFill>
+        <p:spPr bwMode="auto">
+          <a:xfrm>
+            <a:off x="7667625" y="1853248"/>
+            <a:ext cx="4199910" cy="2033290"/>
+          </a:xfrm>
+          <a:prstGeom prst="rect">
+            <a:avLst/>
+          </a:prstGeom>
+          <a:noFill/>
+          <a:extLst>
+            <a:ext uri="{909E8E84-426E-40DD-AFC4-6F175D3DCCD1}">
+              <a14:hiddenFill xmlns:a14="http://schemas.microsoft.com/office/drawing/2010/main">
+                <a:solidFill>
+                  <a:srgbClr val="FFFFFF"/>
+                </a:solidFill>
+              </a14:hiddenFill>
+            </a:ext>
+          </a:extLst>
+        </p:spPr>
+      </p:pic>
+    </p:spTree>
+    <p:extLst>
+      <p:ext uri="{BB962C8B-B14F-4D97-AF65-F5344CB8AC3E}">
+        <p14:creationId xmlns:p14="http://schemas.microsoft.com/office/powerpoint/2010/main" val="1099723728"/>
+      </p:ext>
+    </p:extLst>
+  </p:cSld>
+  <p:clrMapOvr>
+    <a:masterClrMapping/>
+  </p:clrMapOvr>
+</p:sld>
+</file>
+
+<file path=ppt/slides/slide4.xml><?xml version="1.0" encoding="utf-8"?>
+<p:sld xmlns:a="http://schemas.openxmlformats.org/drawingml/2006/main" xmlns:r="http://schemas.openxmlformats.org/officeDocument/2006/relationships" xmlns:p="http://schemas.openxmlformats.org/presentationml/2006/main">
+  <p:cSld>
+    <p:spTree>
+      <p:nvGrpSpPr>
+        <p:cNvPr id="1" name=""/>
+        <p:cNvGrpSpPr/>
+        <p:nvPr/>
+      </p:nvGrpSpPr>
+      <p:grpSpPr>
+        <a:xfrm>
+          <a:off x="0" y="0"/>
+          <a:ext cx="0" cy="0"/>
+          <a:chOff x="0" y="0"/>
+          <a:chExt cx="0" cy="0"/>
+        </a:xfrm>
+      </p:grpSpPr>
+      <p:sp>
+        <p:nvSpPr>
+          <p:cNvPr id="2" name="Titel 1">
+            <a:extLst>
+              <a:ext uri="{FF2B5EF4-FFF2-40B4-BE49-F238E27FC236}">
+                <a16:creationId xmlns:a16="http://schemas.microsoft.com/office/drawing/2014/main" id="{1816E094-A8D3-1214-22A4-6A154474EB12}"/>
+              </a:ext>
+            </a:extLst>
+          </p:cNvPr>
+          <p:cNvSpPr>
+            <a:spLocks noGrp="1"/>
+          </p:cNvSpPr>
+          <p:nvPr>
+            <p:ph type="title"/>
+          </p:nvPr>
+        </p:nvSpPr>
+        <p:spPr/>
+        <p:txBody>
+          <a:bodyPr/>
+          <a:lstStyle/>
+          <a:p>
+            <a:pPr algn="ctr"/>
+            <a:r>
+              <a:rPr lang="de-DE" dirty="0"/>
+              <a:t>CAN-Datentelegramm</a:t>
+            </a:r>
+          </a:p>
+        </p:txBody>
+      </p:sp>
+      <p:sp>
+        <p:nvSpPr>
+          <p:cNvPr id="3" name="Inhaltsplatzhalter 2">
+            <a:extLst>
+              <a:ext uri="{FF2B5EF4-FFF2-40B4-BE49-F238E27FC236}">
+                <a16:creationId xmlns:a16="http://schemas.microsoft.com/office/drawing/2014/main" id="{8625ED67-386A-C9D7-23F9-6C3A5687A0CB}"/>
+              </a:ext>
+            </a:extLst>
+          </p:cNvPr>
+          <p:cNvSpPr>
+            <a:spLocks noGrp="1"/>
+          </p:cNvSpPr>
+          <p:nvPr>
+            <p:ph idx="1"/>
+          </p:nvPr>
+        </p:nvSpPr>
+        <p:spPr/>
+        <p:txBody>
+          <a:bodyPr/>
+          <a:lstStyle/>
+          <a:p>
+            <a:r>
+              <a:rPr lang="en-US" dirty="0"/>
+              <a:t>Standard-Frame </a:t>
+            </a:r>
+            <a:r>
+              <a:rPr lang="en-US" dirty="0" err="1"/>
+              <a:t>nach</a:t>
+            </a:r>
+            <a:r>
+              <a:rPr lang="en-US" dirty="0"/>
+              <a:t> Standard CAN 2.0A: </a:t>
+            </a:r>
+          </a:p>
+          <a:p>
+            <a:endParaRPr lang="en-US" dirty="0"/>
+          </a:p>
+          <a:p>
+            <a:endParaRPr lang="en-US" dirty="0"/>
+          </a:p>
+          <a:p>
+            <a:endParaRPr lang="en-US" dirty="0"/>
+          </a:p>
+          <a:p>
+            <a:r>
+              <a:rPr lang="de-DE" dirty="0"/>
+              <a:t>Extended-Frame nach Standard CAN2.0B:</a:t>
+            </a:r>
+          </a:p>
+        </p:txBody>
+      </p:sp>
+      <p:pic>
+        <p:nvPicPr>
+          <p:cNvPr id="7" name="Grafik 6">
+            <a:extLst>
+              <a:ext uri="{FF2B5EF4-FFF2-40B4-BE49-F238E27FC236}">
+                <a16:creationId xmlns:a16="http://schemas.microsoft.com/office/drawing/2014/main" id="{AC81A1AB-1E79-F307-1E9A-E9FE6BA6B1CE}"/>
+              </a:ext>
+            </a:extLst>
+          </p:cNvPr>
+          <p:cNvPicPr>
+            <a:picLocks noChangeAspect="1"/>
+          </p:cNvPicPr>
+          <p:nvPr/>
+        </p:nvPicPr>
+        <p:blipFill>
+          <a:blip r:embed="rId3"/>
+          <a:stretch>
+            <a:fillRect/>
+          </a:stretch>
+        </p:blipFill>
+        <p:spPr>
+          <a:xfrm>
+            <a:off x="1539031" y="2496507"/>
+            <a:ext cx="7702148" cy="932493"/>
+          </a:xfrm>
+          <a:prstGeom prst="rect">
+            <a:avLst/>
+          </a:prstGeom>
+        </p:spPr>
+      </p:pic>
+      <p:pic>
+        <p:nvPicPr>
+          <p:cNvPr id="9" name="Grafik 8">
+            <a:extLst>
+              <a:ext uri="{FF2B5EF4-FFF2-40B4-BE49-F238E27FC236}">
+                <a16:creationId xmlns:a16="http://schemas.microsoft.com/office/drawing/2014/main" id="{22FD4E00-3CA9-CB72-E607-F8CC400A6CC2}"/>
+              </a:ext>
+            </a:extLst>
+          </p:cNvPr>
+          <p:cNvPicPr>
+            <a:picLocks noChangeAspect="1"/>
+          </p:cNvPicPr>
+          <p:nvPr/>
+        </p:nvPicPr>
+        <p:blipFill>
+          <a:blip r:embed="rId4"/>
+          <a:stretch>
+            <a:fillRect/>
+          </a:stretch>
+        </p:blipFill>
+        <p:spPr>
+          <a:xfrm>
+            <a:off x="1539031" y="4150658"/>
+            <a:ext cx="9840248" cy="932492"/>
+          </a:xfrm>
+          <a:prstGeom prst="rect">
+            <a:avLst/>
+          </a:prstGeom>
+        </p:spPr>
+      </p:pic>
+    </p:spTree>
+    <p:extLst>
+      <p:ext uri="{BB962C8B-B14F-4D97-AF65-F5344CB8AC3E}">
+        <p14:creationId xmlns:p14="http://schemas.microsoft.com/office/powerpoint/2010/main" val="3830925761"/>
+      </p:ext>
+    </p:extLst>
+  </p:cSld>
+  <p:clrMapOvr>
+    <a:masterClrMapping/>
+  </p:clrMapOvr>
+</p:sld>
+</file>
+
+<file path=ppt/slides/slide5.xml><?xml version="1.0" encoding="utf-8"?>
 <p:sld xmlns:a="http://schemas.openxmlformats.org/drawingml/2006/main" xmlns:r="http://schemas.openxmlformats.org/officeDocument/2006/relationships" xmlns:p="http://schemas.openxmlformats.org/presentationml/2006/main">
   <p:cSld>
     <p:spTree>
@@ -9834,7 +11302,7 @@
 </p:sld>
 </file>
 
-<file path=ppt/slides/slide4.xml><?xml version="1.0" encoding="utf-8"?>
+<file path=ppt/slides/slide6.xml><?xml version="1.0" encoding="utf-8"?>
 <p:sld xmlns:a="http://schemas.openxmlformats.org/drawingml/2006/main" xmlns:r="http://schemas.openxmlformats.org/officeDocument/2006/relationships" xmlns:p="http://schemas.openxmlformats.org/presentationml/2006/main">
   <p:cSld>
     <p:spTree>
@@ -10261,7 +11729,7 @@
 </p:sld>
 </file>
 
-<file path=ppt/slides/slide5.xml><?xml version="1.0" encoding="utf-8"?>
+<file path=ppt/slides/slide7.xml><?xml version="1.0" encoding="utf-8"?>
 <p:sld xmlns:a="http://schemas.openxmlformats.org/drawingml/2006/main" xmlns:r="http://schemas.openxmlformats.org/officeDocument/2006/relationships" xmlns:p="http://schemas.openxmlformats.org/presentationml/2006/main">
   <p:cSld>
     <p:spTree>
@@ -10452,7 +11920,7 @@
 </p:sld>
 </file>
 
-<file path=ppt/slides/slide6.xml><?xml version="1.0" encoding="utf-8"?>
+<file path=ppt/slides/slide8.xml><?xml version="1.0" encoding="utf-8"?>
 <p:sld xmlns:a="http://schemas.openxmlformats.org/drawingml/2006/main" xmlns:r="http://schemas.openxmlformats.org/officeDocument/2006/relationships" xmlns:p="http://schemas.openxmlformats.org/presentationml/2006/main">
   <p:cSld>
     <p:spTree>
@@ -10558,7 +12026,7 @@
 </p:sld>
 </file>
 
-<file path=ppt/slides/slide7.xml><?xml version="1.0" encoding="utf-8"?>
+<file path=ppt/slides/slide9.xml><?xml version="1.0" encoding="utf-8"?>
 <p:sld xmlns:a="http://schemas.openxmlformats.org/drawingml/2006/main" xmlns:r="http://schemas.openxmlformats.org/officeDocument/2006/relationships" xmlns:p="http://schemas.openxmlformats.org/presentationml/2006/main">
   <p:cSld>
     <p:spTree>
@@ -10658,587 +12126,6 @@
     <p:extLst>
       <p:ext uri="{BB962C8B-B14F-4D97-AF65-F5344CB8AC3E}">
         <p14:creationId xmlns:p14="http://schemas.microsoft.com/office/powerpoint/2010/main" val="2159367081"/>
-      </p:ext>
-    </p:extLst>
-  </p:cSld>
-  <p:clrMapOvr>
-    <a:masterClrMapping/>
-  </p:clrMapOvr>
-</p:sld>
-</file>
-
-<file path=ppt/slides/slide8.xml><?xml version="1.0" encoding="utf-8"?>
-<p:sld xmlns:a="http://schemas.openxmlformats.org/drawingml/2006/main" xmlns:r="http://schemas.openxmlformats.org/officeDocument/2006/relationships" xmlns:p="http://schemas.openxmlformats.org/presentationml/2006/main">
-  <p:cSld>
-    <p:spTree>
-      <p:nvGrpSpPr>
-        <p:cNvPr id="1" name=""/>
-        <p:cNvGrpSpPr/>
-        <p:nvPr/>
-      </p:nvGrpSpPr>
-      <p:grpSpPr>
-        <a:xfrm>
-          <a:off x="0" y="0"/>
-          <a:ext cx="0" cy="0"/>
-          <a:chOff x="0" y="0"/>
-          <a:chExt cx="0" cy="0"/>
-        </a:xfrm>
-      </p:grpSpPr>
-      <p:sp>
-        <p:nvSpPr>
-          <p:cNvPr id="2" name="Titel 1">
-            <a:extLst>
-              <a:ext uri="{FF2B5EF4-FFF2-40B4-BE49-F238E27FC236}">
-                <a16:creationId xmlns:a16="http://schemas.microsoft.com/office/drawing/2014/main" id="{BF307820-F915-206D-E13B-740CF9858D9B}"/>
-              </a:ext>
-            </a:extLst>
-          </p:cNvPr>
-          <p:cNvSpPr>
-            <a:spLocks noGrp="1"/>
-          </p:cNvSpPr>
-          <p:nvPr>
-            <p:ph type="title"/>
-          </p:nvPr>
-        </p:nvSpPr>
-        <p:spPr/>
-        <p:txBody>
-          <a:bodyPr/>
-          <a:lstStyle/>
-          <a:p>
-            <a:r>
-              <a:rPr lang="de-DE" dirty="0"/>
-              <a:t>CAN-Anschluss mit Transceiver </a:t>
-            </a:r>
-          </a:p>
-        </p:txBody>
-      </p:sp>
-      <p:pic>
-        <p:nvPicPr>
-          <p:cNvPr id="14338" name="Picture 2">
-            <a:extLst>
-              <a:ext uri="{FF2B5EF4-FFF2-40B4-BE49-F238E27FC236}">
-                <a16:creationId xmlns:a16="http://schemas.microsoft.com/office/drawing/2014/main" id="{29A9D80B-5B79-76F2-6F45-5339A0C3DC6E}"/>
-              </a:ext>
-            </a:extLst>
-          </p:cNvPr>
-          <p:cNvPicPr>
-            <a:picLocks noGrp="1" noChangeAspect="1" noChangeArrowheads="1"/>
-          </p:cNvPicPr>
-          <p:nvPr>
-            <p:ph idx="1"/>
-          </p:nvPr>
-        </p:nvPicPr>
-        <p:blipFill>
-          <a:blip r:embed="rId3">
-            <a:extLst>
-              <a:ext uri="{28A0092B-C50C-407E-A947-70E740481C1C}">
-                <a14:useLocalDpi xmlns:a14="http://schemas.microsoft.com/office/drawing/2010/main" val="0"/>
-              </a:ext>
-            </a:extLst>
-          </a:blip>
-          <a:srcRect/>
-          <a:stretch>
-            <a:fillRect/>
-          </a:stretch>
-        </p:blipFill>
-        <p:spPr bwMode="auto">
-          <a:xfrm>
-            <a:off x="1981392" y="2353187"/>
-            <a:ext cx="3867690" cy="2572109"/>
-          </a:xfrm>
-          <a:prstGeom prst="rect">
-            <a:avLst/>
-          </a:prstGeom>
-          <a:noFill/>
-          <a:extLst>
-            <a:ext uri="{909E8E84-426E-40DD-AFC4-6F175D3DCCD1}">
-              <a14:hiddenFill xmlns:a14="http://schemas.microsoft.com/office/drawing/2010/main">
-                <a:solidFill>
-                  <a:srgbClr val="FFFFFF"/>
-                </a:solidFill>
-              </a14:hiddenFill>
-            </a:ext>
-          </a:extLst>
-        </p:spPr>
-      </p:pic>
-      <p:pic>
-        <p:nvPicPr>
-          <p:cNvPr id="14340" name="Picture 4">
-            <a:extLst>
-              <a:ext uri="{FF2B5EF4-FFF2-40B4-BE49-F238E27FC236}">
-                <a16:creationId xmlns:a16="http://schemas.microsoft.com/office/drawing/2014/main" id="{AE8F33C4-C2E3-6347-8B41-D4C1C0B1A96D}"/>
-              </a:ext>
-            </a:extLst>
-          </p:cNvPr>
-          <p:cNvPicPr>
-            <a:picLocks noChangeAspect="1" noChangeArrowheads="1"/>
-          </p:cNvPicPr>
-          <p:nvPr/>
-        </p:nvPicPr>
-        <p:blipFill>
-          <a:blip r:embed="rId4">
-            <a:extLst>
-              <a:ext uri="{28A0092B-C50C-407E-A947-70E740481C1C}">
-                <a14:useLocalDpi xmlns:a14="http://schemas.microsoft.com/office/drawing/2010/main" val="0"/>
-              </a:ext>
-            </a:extLst>
-          </a:blip>
-          <a:srcRect/>
-          <a:stretch>
-            <a:fillRect/>
-          </a:stretch>
-        </p:blipFill>
-        <p:spPr bwMode="auto">
-          <a:xfrm>
-            <a:off x="6342920" y="2562916"/>
-            <a:ext cx="2800350" cy="2152650"/>
-          </a:xfrm>
-          <a:prstGeom prst="rect">
-            <a:avLst/>
-          </a:prstGeom>
-          <a:noFill/>
-          <a:extLst>
-            <a:ext uri="{909E8E84-426E-40DD-AFC4-6F175D3DCCD1}">
-              <a14:hiddenFill xmlns:a14="http://schemas.microsoft.com/office/drawing/2010/main">
-                <a:solidFill>
-                  <a:srgbClr val="FFFFFF"/>
-                </a:solidFill>
-              </a14:hiddenFill>
-            </a:ext>
-          </a:extLst>
-        </p:spPr>
-      </p:pic>
-    </p:spTree>
-    <p:extLst>
-      <p:ext uri="{BB962C8B-B14F-4D97-AF65-F5344CB8AC3E}">
-        <p14:creationId xmlns:p14="http://schemas.microsoft.com/office/powerpoint/2010/main" val="100445414"/>
-      </p:ext>
-    </p:extLst>
-  </p:cSld>
-  <p:clrMapOvr>
-    <a:masterClrMapping/>
-  </p:clrMapOvr>
-</p:sld>
-</file>
-
-<file path=ppt/slides/slide9.xml><?xml version="1.0" encoding="utf-8"?>
-<p:sld xmlns:a="http://schemas.openxmlformats.org/drawingml/2006/main" xmlns:r="http://schemas.openxmlformats.org/officeDocument/2006/relationships" xmlns:p="http://schemas.openxmlformats.org/presentationml/2006/main">
-  <p:cSld>
-    <p:spTree>
-      <p:nvGrpSpPr>
-        <p:cNvPr id="1" name=""/>
-        <p:cNvGrpSpPr/>
-        <p:nvPr/>
-      </p:nvGrpSpPr>
-      <p:grpSpPr>
-        <a:xfrm>
-          <a:off x="0" y="0"/>
-          <a:ext cx="0" cy="0"/>
-          <a:chOff x="0" y="0"/>
-          <a:chExt cx="0" cy="0"/>
-        </a:xfrm>
-      </p:grpSpPr>
-      <p:graphicFrame>
-        <p:nvGraphicFramePr>
-          <p:cNvPr id="4" name="Objekt 3" hidden="1">
-            <a:extLst>
-              <a:ext uri="{FF2B5EF4-FFF2-40B4-BE49-F238E27FC236}">
-                <a16:creationId xmlns:a16="http://schemas.microsoft.com/office/drawing/2014/main" id="{38128D19-ACB0-4A63-9B74-2C96D9CCA27D}"/>
-              </a:ext>
-            </a:extLst>
-          </p:cNvPr>
-          <p:cNvGraphicFramePr>
-            <a:graphicFrameLocks noChangeAspect="1"/>
-          </p:cNvGraphicFramePr>
-          <p:nvPr>
-            <p:custDataLst>
-              <p:tags r:id="rId1"/>
-            </p:custDataLst>
-          </p:nvPr>
-        </p:nvGraphicFramePr>
-        <p:xfrm>
-          <a:off x="1588" y="1588"/>
-          <a:ext cx="1588" cy="1588"/>
-        </p:xfrm>
-        <a:graphic>
-          <a:graphicData uri="http://schemas.openxmlformats.org/presentationml/2006/ole">
-            <mc:AlternateContent xmlns:mc="http://schemas.openxmlformats.org/markup-compatibility/2006">
-              <mc:Choice xmlns:v="urn:schemas-microsoft-com:vml" Requires="v">
-                <p:oleObj name="think-cell Folie" r:id="rId3" imgW="344" imgH="344" progId="TCLayout.ActiveDocument.1">
-                  <p:embed/>
-                </p:oleObj>
-              </mc:Choice>
-              <mc:Fallback>
-                <p:oleObj name="think-cell Folie" r:id="rId3" imgW="344" imgH="344" progId="TCLayout.ActiveDocument.1">
-                  <p:embed/>
-                  <p:pic>
-                    <p:nvPicPr>
-                      <p:cNvPr id="4" name="Objekt 3" hidden="1">
-                        <a:extLst>
-                          <a:ext uri="{FF2B5EF4-FFF2-40B4-BE49-F238E27FC236}">
-                            <a16:creationId xmlns:a16="http://schemas.microsoft.com/office/drawing/2014/main" id="{38128D19-ACB0-4A63-9B74-2C96D9CCA27D}"/>
-                          </a:ext>
-                        </a:extLst>
-                      </p:cNvPr>
-                      <p:cNvPicPr/>
-                      <p:nvPr/>
-                    </p:nvPicPr>
-                    <p:blipFill>
-                      <a:blip r:embed="rId4"/>
-                      <a:stretch>
-                        <a:fillRect/>
-                      </a:stretch>
-                    </p:blipFill>
-                    <p:spPr>
-                      <a:xfrm>
-                        <a:off x="1588" y="1588"/>
-                        <a:ext cx="1588" cy="1588"/>
-                      </a:xfrm>
-                      <a:prstGeom prst="rect">
-                        <a:avLst/>
-                      </a:prstGeom>
-                    </p:spPr>
-                  </p:pic>
-                </p:oleObj>
-              </mc:Fallback>
-            </mc:AlternateContent>
-          </a:graphicData>
-        </a:graphic>
-      </p:graphicFrame>
-      <p:sp>
-        <p:nvSpPr>
-          <p:cNvPr id="2" name="Titel 1">
-            <a:extLst>
-              <a:ext uri="{FF2B5EF4-FFF2-40B4-BE49-F238E27FC236}">
-                <a16:creationId xmlns:a16="http://schemas.microsoft.com/office/drawing/2014/main" id="{B2EEC2FC-73D6-47A6-8C80-F8D60D62DB11}"/>
-              </a:ext>
-            </a:extLst>
-          </p:cNvPr>
-          <p:cNvSpPr>
-            <a:spLocks noGrp="1"/>
-          </p:cNvSpPr>
-          <p:nvPr>
-            <p:ph type="title"/>
-          </p:nvPr>
-        </p:nvSpPr>
-        <p:spPr/>
-        <p:txBody>
-          <a:bodyPr vert="horz"/>
-          <a:lstStyle/>
-          <a:p>
-            <a:pPr algn="ctr"/>
-            <a:r>
-              <a:rPr lang="de-DE" dirty="0"/>
-              <a:t>Leiterplatte</a:t>
-            </a:r>
-          </a:p>
-        </p:txBody>
-      </p:sp>
-      <p:pic>
-        <p:nvPicPr>
-          <p:cNvPr id="7170" name="Picture 2">
-            <a:extLst>
-              <a:ext uri="{FF2B5EF4-FFF2-40B4-BE49-F238E27FC236}">
-                <a16:creationId xmlns:a16="http://schemas.microsoft.com/office/drawing/2014/main" id="{50C6BE9C-2E7C-9B47-2592-8CD59A12225E}"/>
-              </a:ext>
-            </a:extLst>
-          </p:cNvPr>
-          <p:cNvPicPr>
-            <a:picLocks noChangeAspect="1" noChangeArrowheads="1"/>
-          </p:cNvPicPr>
-          <p:nvPr/>
-        </p:nvPicPr>
-        <p:blipFill>
-          <a:blip r:embed="rId5">
-            <a:extLst>
-              <a:ext uri="{28A0092B-C50C-407E-A947-70E740481C1C}">
-                <a14:useLocalDpi xmlns:a14="http://schemas.microsoft.com/office/drawing/2010/main" val="0"/>
-              </a:ext>
-            </a:extLst>
-          </a:blip>
-          <a:srcRect/>
-          <a:stretch>
-            <a:fillRect/>
-          </a:stretch>
-        </p:blipFill>
-        <p:spPr bwMode="auto">
-          <a:xfrm rot="5400000">
-            <a:off x="3298258" y="-478094"/>
-            <a:ext cx="5595486" cy="8857641"/>
-          </a:xfrm>
-          <a:prstGeom prst="rect">
-            <a:avLst/>
-          </a:prstGeom>
-          <a:noFill/>
-          <a:extLst>
-            <a:ext uri="{909E8E84-426E-40DD-AFC4-6F175D3DCCD1}">
-              <a14:hiddenFill xmlns:a14="http://schemas.microsoft.com/office/drawing/2010/main">
-                <a:solidFill>
-                  <a:srgbClr val="FFFFFF"/>
-                </a:solidFill>
-              </a14:hiddenFill>
-            </a:ext>
-          </a:extLst>
-        </p:spPr>
-      </p:pic>
-      <p:sp>
-        <p:nvSpPr>
-          <p:cNvPr id="8" name="Textfeld 7">
-            <a:extLst>
-              <a:ext uri="{FF2B5EF4-FFF2-40B4-BE49-F238E27FC236}">
-                <a16:creationId xmlns:a16="http://schemas.microsoft.com/office/drawing/2014/main" id="{094EFCAE-620B-65D8-E105-041C6748D899}"/>
-              </a:ext>
-            </a:extLst>
-          </p:cNvPr>
-          <p:cNvSpPr txBox="1"/>
-          <p:nvPr/>
-        </p:nvSpPr>
-        <p:spPr>
-          <a:xfrm>
-            <a:off x="7258755" y="3429000"/>
-            <a:ext cx="893193" cy="369332"/>
-          </a:xfrm>
-          <a:prstGeom prst="rect">
-            <a:avLst/>
-          </a:prstGeom>
-          <a:noFill/>
-        </p:spPr>
-        <p:txBody>
-          <a:bodyPr wrap="none" rtlCol="0">
-            <a:spAutoFit/>
-          </a:bodyPr>
-          <a:lstStyle/>
-          <a:p>
-            <a:r>
-              <a:rPr lang="de-DE" dirty="0"/>
-              <a:t>ESP-32</a:t>
-            </a:r>
-          </a:p>
-        </p:txBody>
-      </p:sp>
-      <p:sp>
-        <p:nvSpPr>
-          <p:cNvPr id="10" name="Rechteck 9">
-            <a:extLst>
-              <a:ext uri="{FF2B5EF4-FFF2-40B4-BE49-F238E27FC236}">
-                <a16:creationId xmlns:a16="http://schemas.microsoft.com/office/drawing/2014/main" id="{60579E37-ED1E-6B09-F039-87BC55D3D7B6}"/>
-              </a:ext>
-            </a:extLst>
-          </p:cNvPr>
-          <p:cNvSpPr/>
-          <p:nvPr/>
-        </p:nvSpPr>
-        <p:spPr>
-          <a:xfrm rot="5400000">
-            <a:off x="740964" y="4507609"/>
-            <a:ext cx="1483098" cy="369332"/>
-          </a:xfrm>
-          <a:prstGeom prst="rect">
-            <a:avLst/>
-          </a:prstGeom>
-        </p:spPr>
-        <p:txBody>
-          <a:bodyPr wrap="none">
-            <a:spAutoFit/>
-          </a:bodyPr>
-          <a:lstStyle/>
-          <a:p>
-            <a:r>
-              <a:rPr lang="de-DE" dirty="0"/>
-              <a:t>Status </a:t>
-            </a:r>
-            <a:r>
-              <a:rPr lang="de-DE" dirty="0" err="1"/>
-              <a:t>LED‘s</a:t>
-            </a:r>
-            <a:endParaRPr lang="de-DE" dirty="0"/>
-          </a:p>
-        </p:txBody>
-      </p:sp>
-      <p:sp>
-        <p:nvSpPr>
-          <p:cNvPr id="11" name="Textfeld 10">
-            <a:extLst>
-              <a:ext uri="{FF2B5EF4-FFF2-40B4-BE49-F238E27FC236}">
-                <a16:creationId xmlns:a16="http://schemas.microsoft.com/office/drawing/2014/main" id="{9E6BD7F4-1F05-3DF7-6E5C-49D1B5D44C42}"/>
-              </a:ext>
-            </a:extLst>
-          </p:cNvPr>
-          <p:cNvSpPr txBox="1"/>
-          <p:nvPr/>
-        </p:nvSpPr>
-        <p:spPr>
-          <a:xfrm rot="5400000">
-            <a:off x="2231922" y="4316667"/>
-            <a:ext cx="1101213" cy="369332"/>
-          </a:xfrm>
-          <a:prstGeom prst="rect">
-            <a:avLst/>
-          </a:prstGeom>
-          <a:noFill/>
-        </p:spPr>
-        <p:txBody>
-          <a:bodyPr wrap="square" rtlCol="0">
-            <a:spAutoFit/>
-          </a:bodyPr>
-          <a:lstStyle/>
-          <a:p>
-            <a:r>
-              <a:rPr lang="de-DE" dirty="0"/>
-              <a:t>Buttons</a:t>
-            </a:r>
-          </a:p>
-        </p:txBody>
-      </p:sp>
-      <p:sp>
-        <p:nvSpPr>
-          <p:cNvPr id="14" name="Textfeld 13">
-            <a:extLst>
-              <a:ext uri="{FF2B5EF4-FFF2-40B4-BE49-F238E27FC236}">
-                <a16:creationId xmlns:a16="http://schemas.microsoft.com/office/drawing/2014/main" id="{2362E827-3E10-86F8-504D-9EAED37C8B19}"/>
-              </a:ext>
-            </a:extLst>
-          </p:cNvPr>
-          <p:cNvSpPr txBox="1"/>
-          <p:nvPr/>
-        </p:nvSpPr>
-        <p:spPr>
-          <a:xfrm>
-            <a:off x="4736600" y="2039504"/>
-            <a:ext cx="2325510" cy="369332"/>
-          </a:xfrm>
-          <a:prstGeom prst="rect">
-            <a:avLst/>
-          </a:prstGeom>
-          <a:noFill/>
-        </p:spPr>
-        <p:txBody>
-          <a:bodyPr wrap="square" rtlCol="0">
-            <a:spAutoFit/>
-          </a:bodyPr>
-          <a:lstStyle/>
-          <a:p>
-            <a:r>
-              <a:rPr lang="de-DE" dirty="0"/>
-              <a:t>SUB-D Stecker</a:t>
-            </a:r>
-          </a:p>
-        </p:txBody>
-      </p:sp>
-      <p:sp>
-        <p:nvSpPr>
-          <p:cNvPr id="15" name="Textfeld 14">
-            <a:extLst>
-              <a:ext uri="{FF2B5EF4-FFF2-40B4-BE49-F238E27FC236}">
-                <a16:creationId xmlns:a16="http://schemas.microsoft.com/office/drawing/2014/main" id="{A57CE18D-B5A4-3B7C-C360-9F1961A9C292}"/>
-              </a:ext>
-            </a:extLst>
-          </p:cNvPr>
-          <p:cNvSpPr txBox="1"/>
-          <p:nvPr/>
-        </p:nvSpPr>
-        <p:spPr>
-          <a:xfrm>
-            <a:off x="4535219" y="4787493"/>
-            <a:ext cx="2045110" cy="646331"/>
-          </a:xfrm>
-          <a:prstGeom prst="rect">
-            <a:avLst/>
-          </a:prstGeom>
-          <a:noFill/>
-        </p:spPr>
-        <p:txBody>
-          <a:bodyPr wrap="square" rtlCol="0">
-            <a:spAutoFit/>
-          </a:bodyPr>
-          <a:lstStyle/>
-          <a:p>
-            <a:pPr algn="ctr"/>
-            <a:r>
-              <a:rPr lang="de-DE" dirty="0"/>
-              <a:t>UART-Transceiver</a:t>
-            </a:r>
-          </a:p>
-        </p:txBody>
-      </p:sp>
-      <p:sp>
-        <p:nvSpPr>
-          <p:cNvPr id="16" name="Textfeld 15">
-            <a:extLst>
-              <a:ext uri="{FF2B5EF4-FFF2-40B4-BE49-F238E27FC236}">
-                <a16:creationId xmlns:a16="http://schemas.microsoft.com/office/drawing/2014/main" id="{3CFD3C4B-9F3C-9860-9AB4-DC0832B6534D}"/>
-              </a:ext>
-            </a:extLst>
-          </p:cNvPr>
-          <p:cNvSpPr txBox="1"/>
-          <p:nvPr/>
-        </p:nvSpPr>
-        <p:spPr>
-          <a:xfrm>
-            <a:off x="9448368" y="5110658"/>
-            <a:ext cx="1457440" cy="646331"/>
-          </a:xfrm>
-          <a:prstGeom prst="rect">
-            <a:avLst/>
-          </a:prstGeom>
-          <a:noFill/>
-        </p:spPr>
-        <p:txBody>
-          <a:bodyPr wrap="square" rtlCol="0">
-            <a:spAutoFit/>
-          </a:bodyPr>
-          <a:lstStyle/>
-          <a:p>
-            <a:r>
-              <a:rPr lang="de-DE" dirty="0"/>
-              <a:t>Display Anschluss</a:t>
-            </a:r>
-          </a:p>
-        </p:txBody>
-      </p:sp>
-      <p:sp>
-        <p:nvSpPr>
-          <p:cNvPr id="19" name="Textfeld 18">
-            <a:extLst>
-              <a:ext uri="{FF2B5EF4-FFF2-40B4-BE49-F238E27FC236}">
-                <a16:creationId xmlns:a16="http://schemas.microsoft.com/office/drawing/2014/main" id="{A9FD266C-F889-CBA7-8D2C-10F6BF6B30B9}"/>
-              </a:ext>
-            </a:extLst>
-          </p:cNvPr>
-          <p:cNvSpPr txBox="1"/>
-          <p:nvPr/>
-        </p:nvSpPr>
-        <p:spPr>
-          <a:xfrm>
-            <a:off x="5538110" y="5537149"/>
-            <a:ext cx="3048000" cy="369332"/>
-          </a:xfrm>
-          <a:prstGeom prst="rect">
-            <a:avLst/>
-          </a:prstGeom>
-          <a:noFill/>
-        </p:spPr>
-        <p:txBody>
-          <a:bodyPr wrap="square" rtlCol="0">
-            <a:spAutoFit/>
-          </a:bodyPr>
-          <a:lstStyle/>
-          <a:p>
-            <a:r>
-              <a:rPr lang="de-DE" dirty="0" err="1"/>
-              <a:t>Logic</a:t>
-            </a:r>
-            <a:r>
-              <a:rPr lang="de-DE" dirty="0"/>
-              <a:t> Level Converter</a:t>
-            </a:r>
-          </a:p>
-        </p:txBody>
-      </p:sp>
-    </p:spTree>
-    <p:extLst>
-      <p:ext uri="{BB962C8B-B14F-4D97-AF65-F5344CB8AC3E}">
-        <p14:creationId xmlns:p14="http://schemas.microsoft.com/office/powerpoint/2010/main" val="1876703542"/>
       </p:ext>
     </p:extLst>
   </p:cSld>
